--- a/pics/2020-10-27-KL_divergence/pics.pptx
+++ b/pics/2020-10-27-KL_divergence/pics.pptx
@@ -3046,7 +3046,7 @@
               <p:nvPr>
                 <p:extLst>
                   <p:ext uri="{D42A27DB-BD31-4B8C-83A1-F6EECF244321}">
-                    <p14:modId xmlns:p14="http://schemas.microsoft.com/office/powerpoint/2010/main" val="3240289117"/>
+                    <p14:modId xmlns:p14="http://schemas.microsoft.com/office/powerpoint/2010/main" val="780343380"/>
                   </p:ext>
                 </p:extLst>
               </p:nvPr>
@@ -3084,7 +3084,9 @@
                               </m:oMathParaPr>
                               <m:oMath xmlns:m="http://schemas.openxmlformats.org/officeDocument/2006/math">
                                 <m:r>
-                                  <a:rPr lang="en-US" altLang="ko-KR" smtClean="0"/>
+                                  <a:rPr lang="en-US" altLang="ko-KR" smtClean="0">
+                                    <a:latin typeface="Cambria Math"/>
+                                  </a:rPr>
                                   <m:t>𝑿</m:t>
                                 </m:r>
                               </m:oMath>
@@ -3200,8 +3202,576 @@
                               </m:oMathParaPr>
                               <m:oMath xmlns:m="http://schemas.openxmlformats.org/officeDocument/2006/math">
                                 <m:r>
+                                  <m:rPr>
+                                    <m:sty m:val="p"/>
+                                  </m:rPr>
+                                  <a:rPr lang="en-US" altLang="ko-KR" b="0" i="0" dirty="0" smtClean="0">
+                                    <a:latin typeface="Cambria Math"/>
+                                  </a:rPr>
+                                  <m:t>P</m:t>
+                                </m:r>
+                                <m:r>
+                                  <a:rPr lang="en-US" altLang="ko-KR" dirty="0" smtClean="0">
+                                    <a:latin typeface="Cambria Math"/>
+                                  </a:rPr>
+                                  <m:t>(</m:t>
+                                </m:r>
+                                <m:r>
+                                  <a:rPr lang="en-US" altLang="ko-KR" dirty="0" smtClean="0">
+                                    <a:latin typeface="Cambria Math"/>
+                                  </a:rPr>
+                                  <m:t>𝑥</m:t>
+                                </m:r>
+                                <m:r>
+                                  <a:rPr lang="en-US" altLang="ko-KR" dirty="0" smtClean="0">
+                                    <a:latin typeface="Cambria Math"/>
+                                  </a:rPr>
+                                  <m:t>=</m:t>
+                                </m:r>
+                                <m:r>
+                                  <a:rPr lang="en-US" altLang="ko-KR" dirty="0" smtClean="0">
+                                    <a:latin typeface="Cambria Math"/>
+                                  </a:rPr>
+                                  <m:t>𝑋</m:t>
+                                </m:r>
+                                <m:r>
+                                  <a:rPr lang="en-US" altLang="ko-KR" dirty="0" smtClean="0">
+                                    <a:latin typeface="Cambria Math"/>
+                                  </a:rPr>
+                                  <m:t>)</m:t>
+                                </m:r>
+                              </m:oMath>
+                            </m:oMathPara>
+                          </a14:m>
+                          <a:endParaRPr lang="ko-KR" altLang="en-US" dirty="0"/>
+                        </a:p>
+                      </a:txBody>
+                      <a:tcPr/>
+                    </a:tc>
+                    <a:tc>
+                      <a:txBody>
+                        <a:bodyPr/>
+                        <a:lstStyle/>
+                        <a:p>
+                          <a:pPr algn="ctr" latinLnBrk="1"/>
+                          <a:r>
+                            <a:rPr lang="en-US" altLang="ko-KR" dirty="0" smtClean="0"/>
+                            <a:t>1/6</a:t>
+                          </a:r>
+                          <a:endParaRPr lang="ko-KR" altLang="en-US" dirty="0"/>
+                        </a:p>
+                      </a:txBody>
+                      <a:tcPr/>
+                    </a:tc>
+                    <a:tc>
+                      <a:txBody>
+                        <a:bodyPr/>
+                        <a:lstStyle/>
+                        <a:p>
+                          <a:pPr algn="ctr" latinLnBrk="1"/>
+                          <a:r>
+                            <a:rPr lang="en-US" altLang="ko-KR" smtClean="0"/>
+                            <a:t>1/6</a:t>
+                          </a:r>
+                          <a:endParaRPr lang="ko-KR" altLang="en-US" dirty="0"/>
+                        </a:p>
+                      </a:txBody>
+                      <a:tcPr/>
+                    </a:tc>
+                    <a:tc>
+                      <a:txBody>
+                        <a:bodyPr/>
+                        <a:lstStyle/>
+                        <a:p>
+                          <a:pPr algn="ctr" latinLnBrk="1"/>
+                          <a:r>
+                            <a:rPr lang="en-US" altLang="ko-KR" smtClean="0"/>
+                            <a:t>1/6</a:t>
+                          </a:r>
+                          <a:endParaRPr lang="ko-KR" altLang="en-US" dirty="0"/>
+                        </a:p>
+                      </a:txBody>
+                      <a:tcPr/>
+                    </a:tc>
+                    <a:tc>
+                      <a:txBody>
+                        <a:bodyPr/>
+                        <a:lstStyle/>
+                        <a:p>
+                          <a:pPr algn="ctr" latinLnBrk="1"/>
+                          <a:r>
+                            <a:rPr lang="en-US" altLang="ko-KR" smtClean="0"/>
+                            <a:t>1/6</a:t>
+                          </a:r>
+                          <a:endParaRPr lang="ko-KR" altLang="en-US" dirty="0"/>
+                        </a:p>
+                      </a:txBody>
+                      <a:tcPr/>
+                    </a:tc>
+                    <a:tc>
+                      <a:txBody>
+                        <a:bodyPr/>
+                        <a:lstStyle/>
+                        <a:p>
+                          <a:pPr algn="ctr" latinLnBrk="1"/>
+                          <a:r>
+                            <a:rPr lang="en-US" altLang="ko-KR" smtClean="0"/>
+                            <a:t>1/6</a:t>
+                          </a:r>
+                          <a:endParaRPr lang="ko-KR" altLang="en-US" dirty="0"/>
+                        </a:p>
+                      </a:txBody>
+                      <a:tcPr/>
+                    </a:tc>
+                    <a:tc>
+                      <a:txBody>
+                        <a:bodyPr/>
+                        <a:lstStyle/>
+                        <a:p>
+                          <a:pPr algn="ctr" latinLnBrk="1"/>
+                          <a:r>
+                            <a:rPr lang="en-US" altLang="ko-KR" dirty="0" smtClean="0"/>
+                            <a:t>1/6</a:t>
+                          </a:r>
+                          <a:endParaRPr lang="ko-KR" altLang="en-US" dirty="0"/>
+                        </a:p>
+                      </a:txBody>
+                      <a:tcPr/>
+                    </a:tc>
+                  </a:tr>
+                </a:tbl>
+              </a:graphicData>
+            </a:graphic>
+          </p:graphicFrame>
+        </mc:Choice>
+        <mc:Fallback>
+          <p:graphicFrame>
+            <p:nvGraphicFramePr>
+              <p:cNvPr id="4" name="표 3"/>
+              <p:cNvGraphicFramePr>
+                <a:graphicFrameLocks noGrp="1"/>
+              </p:cNvGraphicFramePr>
+              <p:nvPr>
+                <p:extLst>
+                  <p:ext uri="{D42A27DB-BD31-4B8C-83A1-F6EECF244321}">
+                    <p14:modId xmlns:p14="http://schemas.microsoft.com/office/powerpoint/2010/main" val="780343380"/>
+                  </p:ext>
+                </p:extLst>
+              </p:nvPr>
+            </p:nvGraphicFramePr>
+            <p:xfrm>
+              <a:off x="618226" y="1397000"/>
+              <a:ext cx="7770196" cy="741680"/>
+            </p:xfrm>
+            <a:graphic>
+              <a:graphicData uri="http://schemas.openxmlformats.org/drawingml/2006/table">
+                <a:tbl>
+                  <a:tblPr firstRow="1" bandRow="1">
+                    <a:tableStyleId>{073A0DAA-6AF3-43AB-8588-CEC1D06C72B9}</a:tableStyleId>
+                  </a:tblPr>
+                  <a:tblGrid>
+                    <a:gridCol w="1110028"/>
+                    <a:gridCol w="1110028"/>
+                    <a:gridCol w="1110028"/>
+                    <a:gridCol w="1110028"/>
+                    <a:gridCol w="1110028"/>
+                    <a:gridCol w="1110028"/>
+                    <a:gridCol w="1110028"/>
+                  </a:tblGrid>
+                  <a:tr h="370840">
+                    <a:tc>
+                      <a:txBody>
+                        <a:bodyPr/>
+                        <a:lstStyle/>
+                        <a:p>
+                          <a:endParaRPr lang="ko-KR"/>
+                        </a:p>
+                      </a:txBody>
+                      <a:tcPr>
+                        <a:blipFill rotWithShape="1">
+                          <a:blip r:embed="rId2"/>
+                          <a:stretch>
+                            <a:fillRect t="-8197" r="-601099" b="-124590"/>
+                          </a:stretch>
+                        </a:blipFill>
+                      </a:tcPr>
+                    </a:tc>
+                    <a:tc>
+                      <a:txBody>
+                        <a:bodyPr/>
+                        <a:lstStyle/>
+                        <a:p>
+                          <a:pPr algn="ctr" latinLnBrk="1"/>
+                          <a:r>
+                            <a:rPr lang="en-US" altLang="ko-KR" dirty="0" smtClean="0"/>
+                            <a:t>1</a:t>
+                          </a:r>
+                          <a:endParaRPr lang="ko-KR" altLang="en-US" dirty="0"/>
+                        </a:p>
+                      </a:txBody>
+                      <a:tcPr/>
+                    </a:tc>
+                    <a:tc>
+                      <a:txBody>
+                        <a:bodyPr/>
+                        <a:lstStyle/>
+                        <a:p>
+                          <a:pPr algn="ctr" latinLnBrk="1"/>
+                          <a:r>
+                            <a:rPr lang="en-US" altLang="ko-KR" dirty="0" smtClean="0"/>
+                            <a:t>2</a:t>
+                          </a:r>
+                          <a:endParaRPr lang="ko-KR" altLang="en-US" dirty="0"/>
+                        </a:p>
+                      </a:txBody>
+                      <a:tcPr/>
+                    </a:tc>
+                    <a:tc>
+                      <a:txBody>
+                        <a:bodyPr/>
+                        <a:lstStyle/>
+                        <a:p>
+                          <a:pPr algn="ctr" latinLnBrk="1"/>
+                          <a:r>
+                            <a:rPr lang="en-US" altLang="ko-KR" dirty="0" smtClean="0"/>
+                            <a:t>3</a:t>
+                          </a:r>
+                          <a:endParaRPr lang="ko-KR" altLang="en-US" dirty="0"/>
+                        </a:p>
+                      </a:txBody>
+                      <a:tcPr/>
+                    </a:tc>
+                    <a:tc>
+                      <a:txBody>
+                        <a:bodyPr/>
+                        <a:lstStyle/>
+                        <a:p>
+                          <a:pPr algn="ctr" latinLnBrk="1"/>
+                          <a:r>
+                            <a:rPr lang="en-US" altLang="ko-KR" dirty="0" smtClean="0"/>
+                            <a:t>4</a:t>
+                          </a:r>
+                          <a:endParaRPr lang="ko-KR" altLang="en-US" dirty="0"/>
+                        </a:p>
+                      </a:txBody>
+                      <a:tcPr/>
+                    </a:tc>
+                    <a:tc>
+                      <a:txBody>
+                        <a:bodyPr/>
+                        <a:lstStyle/>
+                        <a:p>
+                          <a:pPr algn="ctr" latinLnBrk="1"/>
+                          <a:r>
+                            <a:rPr lang="en-US" altLang="ko-KR" dirty="0" smtClean="0"/>
+                            <a:t>5</a:t>
+                          </a:r>
+                          <a:endParaRPr lang="ko-KR" altLang="en-US" dirty="0"/>
+                        </a:p>
+                      </a:txBody>
+                      <a:tcPr/>
+                    </a:tc>
+                    <a:tc>
+                      <a:txBody>
+                        <a:bodyPr/>
+                        <a:lstStyle/>
+                        <a:p>
+                          <a:pPr algn="ctr" latinLnBrk="1"/>
+                          <a:r>
+                            <a:rPr lang="en-US" altLang="ko-KR" dirty="0" smtClean="0"/>
+                            <a:t>6</a:t>
+                          </a:r>
+                          <a:endParaRPr lang="ko-KR" altLang="en-US" dirty="0"/>
+                        </a:p>
+                      </a:txBody>
+                      <a:tcPr/>
+                    </a:tc>
+                  </a:tr>
+                  <a:tr h="370840">
+                    <a:tc>
+                      <a:txBody>
+                        <a:bodyPr/>
+                        <a:lstStyle/>
+                        <a:p>
+                          <a:endParaRPr lang="ko-KR"/>
+                        </a:p>
+                      </a:txBody>
+                      <a:tcPr>
+                        <a:blipFill rotWithShape="1">
+                          <a:blip r:embed="rId2"/>
+                          <a:stretch>
+                            <a:fillRect t="-108197" r="-601099" b="-24590"/>
+                          </a:stretch>
+                        </a:blipFill>
+                      </a:tcPr>
+                    </a:tc>
+                    <a:tc>
+                      <a:txBody>
+                        <a:bodyPr/>
+                        <a:lstStyle/>
+                        <a:p>
+                          <a:pPr algn="ctr" latinLnBrk="1"/>
+                          <a:r>
+                            <a:rPr lang="en-US" altLang="ko-KR" dirty="0" smtClean="0"/>
+                            <a:t>1/6</a:t>
+                          </a:r>
+                          <a:endParaRPr lang="ko-KR" altLang="en-US" dirty="0"/>
+                        </a:p>
+                      </a:txBody>
+                      <a:tcPr/>
+                    </a:tc>
+                    <a:tc>
+                      <a:txBody>
+                        <a:bodyPr/>
+                        <a:lstStyle/>
+                        <a:p>
+                          <a:pPr algn="ctr" latinLnBrk="1"/>
+                          <a:r>
+                            <a:rPr lang="en-US" altLang="ko-KR" smtClean="0"/>
+                            <a:t>1/6</a:t>
+                          </a:r>
+                          <a:endParaRPr lang="ko-KR" altLang="en-US" dirty="0"/>
+                        </a:p>
+                      </a:txBody>
+                      <a:tcPr/>
+                    </a:tc>
+                    <a:tc>
+                      <a:txBody>
+                        <a:bodyPr/>
+                        <a:lstStyle/>
+                        <a:p>
+                          <a:pPr algn="ctr" latinLnBrk="1"/>
+                          <a:r>
+                            <a:rPr lang="en-US" altLang="ko-KR" smtClean="0"/>
+                            <a:t>1/6</a:t>
+                          </a:r>
+                          <a:endParaRPr lang="ko-KR" altLang="en-US" dirty="0"/>
+                        </a:p>
+                      </a:txBody>
+                      <a:tcPr/>
+                    </a:tc>
+                    <a:tc>
+                      <a:txBody>
+                        <a:bodyPr/>
+                        <a:lstStyle/>
+                        <a:p>
+                          <a:pPr algn="ctr" latinLnBrk="1"/>
+                          <a:r>
+                            <a:rPr lang="en-US" altLang="ko-KR" smtClean="0"/>
+                            <a:t>1/6</a:t>
+                          </a:r>
+                          <a:endParaRPr lang="ko-KR" altLang="en-US" dirty="0"/>
+                        </a:p>
+                      </a:txBody>
+                      <a:tcPr/>
+                    </a:tc>
+                    <a:tc>
+                      <a:txBody>
+                        <a:bodyPr/>
+                        <a:lstStyle/>
+                        <a:p>
+                          <a:pPr algn="ctr" latinLnBrk="1"/>
+                          <a:r>
+                            <a:rPr lang="en-US" altLang="ko-KR" smtClean="0"/>
+                            <a:t>1/6</a:t>
+                          </a:r>
+                          <a:endParaRPr lang="ko-KR" altLang="en-US" dirty="0"/>
+                        </a:p>
+                      </a:txBody>
+                      <a:tcPr/>
+                    </a:tc>
+                    <a:tc>
+                      <a:txBody>
+                        <a:bodyPr/>
+                        <a:lstStyle/>
+                        <a:p>
+                          <a:pPr algn="ctr" latinLnBrk="1"/>
+                          <a:r>
+                            <a:rPr lang="en-US" altLang="ko-KR" dirty="0" smtClean="0"/>
+                            <a:t>1/6</a:t>
+                          </a:r>
+                          <a:endParaRPr lang="ko-KR" altLang="en-US" dirty="0"/>
+                        </a:p>
+                      </a:txBody>
+                      <a:tcPr/>
+                    </a:tc>
+                  </a:tr>
+                </a:tbl>
+              </a:graphicData>
+            </a:graphic>
+          </p:graphicFrame>
+        </mc:Fallback>
+      </mc:AlternateContent>
+      <mc:AlternateContent xmlns:mc="http://schemas.openxmlformats.org/markup-compatibility/2006">
+        <mc:Choice xmlns:a14="http://schemas.microsoft.com/office/drawing/2010/main" Requires="a14">
+          <p:graphicFrame>
+            <p:nvGraphicFramePr>
+              <p:cNvPr id="3" name="표 2"/>
+              <p:cNvGraphicFramePr>
+                <a:graphicFrameLocks noGrp="1"/>
+              </p:cNvGraphicFramePr>
+              <p:nvPr>
+                <p:extLst>
+                  <p:ext uri="{D42A27DB-BD31-4B8C-83A1-F6EECF244321}">
+                    <p14:modId xmlns:p14="http://schemas.microsoft.com/office/powerpoint/2010/main" val="3870112153"/>
+                  </p:ext>
+                </p:extLst>
+              </p:nvPr>
+            </p:nvGraphicFramePr>
+            <p:xfrm>
+              <a:off x="611560" y="2708920"/>
+              <a:ext cx="7770196" cy="741680"/>
+            </p:xfrm>
+            <a:graphic>
+              <a:graphicData uri="http://schemas.openxmlformats.org/drawingml/2006/table">
+                <a:tbl>
+                  <a:tblPr firstRow="1" bandRow="1">
+                    <a:tableStyleId>{21E4AEA4-8DFA-4A89-87EB-49C32662AFE0}</a:tableStyleId>
+                  </a:tblPr>
+                  <a:tblGrid>
+                    <a:gridCol w="1110028"/>
+                    <a:gridCol w="1110028"/>
+                    <a:gridCol w="1110028"/>
+                    <a:gridCol w="1110028"/>
+                    <a:gridCol w="1110028"/>
+                    <a:gridCol w="1110028"/>
+                    <a:gridCol w="1110028"/>
+                  </a:tblGrid>
+                  <a:tr h="370840">
+                    <a:tc>
+                      <a:txBody>
+                        <a:bodyPr/>
+                        <a:lstStyle/>
+                        <a:p>
+                          <a:pPr latinLnBrk="1"/>
+                          <a14:m>
+                            <m:oMathPara xmlns:m="http://schemas.openxmlformats.org/officeDocument/2006/math">
+                              <m:oMathParaPr>
+                                <m:jc m:val="centerGroup"/>
+                              </m:oMathParaPr>
+                              <m:oMath xmlns:m="http://schemas.openxmlformats.org/officeDocument/2006/math">
+                                <m:r>
+                                  <a:rPr lang="en-US" altLang="ko-KR" smtClean="0"/>
+                                  <m:t>𝑿</m:t>
+                                </m:r>
+                              </m:oMath>
+                            </m:oMathPara>
+                          </a14:m>
+                          <a:endParaRPr lang="ko-KR" altLang="en-US" dirty="0"/>
+                        </a:p>
+                      </a:txBody>
+                      <a:tcPr/>
+                    </a:tc>
+                    <a:tc>
+                      <a:txBody>
+                        <a:bodyPr/>
+                        <a:lstStyle/>
+                        <a:p>
+                          <a:pPr algn="ctr" latinLnBrk="1"/>
+                          <a:r>
+                            <a:rPr lang="en-US" altLang="ko-KR" dirty="0" smtClean="0"/>
+                            <a:t>1</a:t>
+                          </a:r>
+                          <a:endParaRPr lang="ko-KR" altLang="en-US" dirty="0"/>
+                        </a:p>
+                      </a:txBody>
+                      <a:tcPr/>
+                    </a:tc>
+                    <a:tc>
+                      <a:txBody>
+                        <a:bodyPr/>
+                        <a:lstStyle/>
+                        <a:p>
+                          <a:pPr algn="ctr" latinLnBrk="1"/>
+                          <a:r>
+                            <a:rPr lang="en-US" altLang="ko-KR" dirty="0" smtClean="0"/>
+                            <a:t>2</a:t>
+                          </a:r>
+                          <a:endParaRPr lang="ko-KR" altLang="en-US" dirty="0"/>
+                        </a:p>
+                      </a:txBody>
+                      <a:tcPr/>
+                    </a:tc>
+                    <a:tc>
+                      <a:txBody>
+                        <a:bodyPr/>
+                        <a:lstStyle/>
+                        <a:p>
+                          <a:pPr algn="ctr" latinLnBrk="1"/>
+                          <a:r>
+                            <a:rPr lang="en-US" altLang="ko-KR" dirty="0" smtClean="0"/>
+                            <a:t>3</a:t>
+                          </a:r>
+                          <a:endParaRPr lang="ko-KR" altLang="en-US" dirty="0"/>
+                        </a:p>
+                      </a:txBody>
+                      <a:tcPr/>
+                    </a:tc>
+                    <a:tc>
+                      <a:txBody>
+                        <a:bodyPr/>
+                        <a:lstStyle/>
+                        <a:p>
+                          <a:pPr algn="ctr" latinLnBrk="1"/>
+                          <a:r>
+                            <a:rPr lang="en-US" altLang="ko-KR" dirty="0" smtClean="0"/>
+                            <a:t>4</a:t>
+                          </a:r>
+                          <a:endParaRPr lang="ko-KR" altLang="en-US" dirty="0"/>
+                        </a:p>
+                      </a:txBody>
+                      <a:tcPr/>
+                    </a:tc>
+                    <a:tc>
+                      <a:txBody>
+                        <a:bodyPr/>
+                        <a:lstStyle/>
+                        <a:p>
+                          <a:pPr algn="ctr" latinLnBrk="1"/>
+                          <a:r>
+                            <a:rPr lang="en-US" altLang="ko-KR" dirty="0" smtClean="0"/>
+                            <a:t>5</a:t>
+                          </a:r>
+                          <a:endParaRPr lang="ko-KR" altLang="en-US" dirty="0"/>
+                        </a:p>
+                      </a:txBody>
+                      <a:tcPr/>
+                    </a:tc>
+                    <a:tc>
+                      <a:txBody>
+                        <a:bodyPr/>
+                        <a:lstStyle/>
+                        <a:p>
+                          <a:pPr algn="ctr" latinLnBrk="1"/>
+                          <a:r>
+                            <a:rPr lang="en-US" altLang="ko-KR" dirty="0" smtClean="0"/>
+                            <a:t>6</a:t>
+                          </a:r>
+                          <a:endParaRPr lang="ko-KR" altLang="en-US" dirty="0"/>
+                        </a:p>
+                      </a:txBody>
+                      <a:tcPr/>
+                    </a:tc>
+                  </a:tr>
+                  <a:tr h="370840">
+                    <a:tc>
+                      <a:txBody>
+                        <a:bodyPr/>
+                        <a:lstStyle/>
+                        <a:p>
+                          <a:pPr latinLnBrk="1"/>
+                          <a14:m>
+                            <m:oMathPara xmlns:m="http://schemas.openxmlformats.org/officeDocument/2006/math">
+                              <m:oMathParaPr>
+                                <m:jc m:val="centerGroup"/>
+                              </m:oMathParaPr>
+                              <m:oMath xmlns:m="http://schemas.openxmlformats.org/officeDocument/2006/math">
+                                <m:r>
+                                  <m:rPr>
+                                    <m:sty m:val="p"/>
+                                  </m:rPr>
                                   <a:rPr lang="en-US" altLang="ko-KR" dirty="0" smtClean="0"/>
-                                  <m:t>𝑃</m:t>
+                                  <m:t>Q</m:t>
                                 </m:r>
                                 <m:r>
                                   <a:rPr lang="en-US" altLang="ko-KR" dirty="0" smtClean="0"/>
@@ -3330,27 +3900,27 @@
         <mc:Fallback>
           <p:graphicFrame>
             <p:nvGraphicFramePr>
-              <p:cNvPr id="4" name="표 3"/>
+              <p:cNvPr id="3" name="표 2"/>
               <p:cNvGraphicFramePr>
                 <a:graphicFrameLocks noGrp="1"/>
               </p:cNvGraphicFramePr>
               <p:nvPr>
                 <p:extLst>
                   <p:ext uri="{D42A27DB-BD31-4B8C-83A1-F6EECF244321}">
-                    <p14:modId xmlns:p14="http://schemas.microsoft.com/office/powerpoint/2010/main" val="3240289117"/>
+                    <p14:modId xmlns:p14="http://schemas.microsoft.com/office/powerpoint/2010/main" val="3870112153"/>
                   </p:ext>
                 </p:extLst>
               </p:nvPr>
             </p:nvGraphicFramePr>
             <p:xfrm>
-              <a:off x="618226" y="1397000"/>
+              <a:off x="611560" y="2708920"/>
               <a:ext cx="7770196" cy="741680"/>
             </p:xfrm>
             <a:graphic>
               <a:graphicData uri="http://schemas.openxmlformats.org/drawingml/2006/table">
                 <a:tbl>
                   <a:tblPr firstRow="1" bandRow="1">
-                    <a:tableStyleId>{073A0DAA-6AF3-43AB-8588-CEC1D06C72B9}</a:tableStyleId>
+                    <a:tableStyleId>{21E4AEA4-8DFA-4A89-87EB-49C32662AFE0}</a:tableStyleId>
                   </a:tblPr>
                   <a:tblGrid>
                     <a:gridCol w="1110028"/>
@@ -3372,9 +3942,9 @@
                       </a:txBody>
                       <a:tcPr>
                         <a:blipFill rotWithShape="1">
-                          <a:blip r:embed="rId2"/>
+                          <a:blip r:embed="rId3"/>
                           <a:stretch>
-                            <a:fillRect t="-8197" r="-601099" b="-124590"/>
+                            <a:fillRect t="-8197" r="-600549" b="-124590"/>
                           </a:stretch>
                         </a:blipFill>
                       </a:tcPr>
@@ -3481,9 +4051,9 @@
                       </a:txBody>
                       <a:tcPr>
                         <a:blipFill rotWithShape="1">
-                          <a:blip r:embed="rId2"/>
+                          <a:blip r:embed="rId3"/>
                           <a:stretch>
-                            <a:fillRect t="-108197" r="-601099" b="-24590"/>
+                            <a:fillRect t="-108197" r="-600549" b="-24590"/>
                           </a:stretch>
                         </a:blipFill>
                       </a:tcPr>
@@ -3585,6 +4155,66 @@
           </p:graphicFrame>
         </mc:Fallback>
       </mc:AlternateContent>
+      <p:sp>
+        <p:nvSpPr>
+          <p:cNvPr id="2" name="TextBox 1"/>
+          <p:cNvSpPr txBox="1"/>
+          <p:nvPr/>
+        </p:nvSpPr>
+        <p:spPr>
+          <a:xfrm>
+            <a:off x="611560" y="980728"/>
+            <a:ext cx="1882247" cy="369332"/>
+          </a:xfrm>
+          <a:prstGeom prst="rect">
+            <a:avLst/>
+          </a:prstGeom>
+          <a:noFill/>
+        </p:spPr>
+        <p:txBody>
+          <a:bodyPr wrap="none" rtlCol="0">
+            <a:spAutoFit/>
+          </a:bodyPr>
+          <a:lstStyle/>
+          <a:p>
+            <a:r>
+              <a:rPr lang="ko-KR" altLang="en-US" smtClean="0"/>
+              <a:t>정상적인 주사위</a:t>
+            </a:r>
+            <a:endParaRPr lang="ko-KR" altLang="en-US"/>
+          </a:p>
+        </p:txBody>
+      </p:sp>
+      <p:sp>
+        <p:nvSpPr>
+          <p:cNvPr id="5" name="TextBox 4"/>
+          <p:cNvSpPr txBox="1"/>
+          <p:nvPr/>
+        </p:nvSpPr>
+        <p:spPr>
+          <a:xfrm>
+            <a:off x="604894" y="2276872"/>
+            <a:ext cx="2113079" cy="369332"/>
+          </a:xfrm>
+          <a:prstGeom prst="rect">
+            <a:avLst/>
+          </a:prstGeom>
+          <a:noFill/>
+        </p:spPr>
+        <p:txBody>
+          <a:bodyPr wrap="none" rtlCol="0">
+            <a:spAutoFit/>
+          </a:bodyPr>
+          <a:lstStyle/>
+          <a:p>
+            <a:r>
+              <a:rPr lang="ko-KR" altLang="en-US" smtClean="0"/>
+              <a:t>비정상적인 주사위</a:t>
+            </a:r>
+            <a:endParaRPr lang="ko-KR" altLang="en-US"/>
+          </a:p>
+        </p:txBody>
+      </p:sp>
     </p:spTree>
     <p:extLst>
       <p:ext uri="{BB962C8B-B14F-4D97-AF65-F5344CB8AC3E}">

--- a/pics/2020-10-27-KL_divergence/pics.pptx
+++ b/pics/2020-10-27-KL_divergence/pics.pptx
@@ -6,6 +6,7 @@
   </p:sldMasterIdLst>
   <p:sldIdLst>
     <p:sldId id="256" r:id="rId2"/>
+    <p:sldId id="257" r:id="rId3"/>
   </p:sldIdLst>
   <p:sldSz cx="9144000" cy="6858000" type="screen4x3"/>
   <p:notesSz cx="6858000" cy="9144000"/>
@@ -104,6 +105,22 @@
       </a:defRPr>
     </a:lvl9pPr>
   </p:defaultTextStyle>
+  <p:extLst>
+    <p:ext uri="{EFAFB233-063F-42B5-8137-9DF3F51BA10A}">
+      <p15:sldGuideLst xmlns:p15="http://schemas.microsoft.com/office/powerpoint/2012/main">
+        <p15:guide id="1" orient="horz" pos="2160">
+          <p15:clr>
+            <a:srgbClr val="A4A3A4"/>
+          </p15:clr>
+        </p15:guide>
+        <p15:guide id="2" pos="2880">
+          <p15:clr>
+            <a:srgbClr val="A4A3A4"/>
+          </p15:clr>
+        </p15:guide>
+      </p15:sldGuideLst>
+    </p:ext>
+  </p:extLst>
 </p:presentation>
 </file>
 
@@ -145,10 +162,9 @@
           <a:lstStyle/>
           <a:p>
             <a:r>
-              <a:rPr lang="ko-KR" altLang="en-US" smtClean="0"/>
+              <a:rPr lang="ko-KR" altLang="en-US"/>
               <a:t>마스터 제목 스타일 편집</a:t>
             </a:r>
-            <a:endParaRPr lang="ko-KR" altLang="en-US"/>
           </a:p>
         </p:txBody>
       </p:sp>
@@ -264,10 +280,9 @@
           </a:lstStyle>
           <a:p>
             <a:r>
-              <a:rPr lang="ko-KR" altLang="en-US" smtClean="0"/>
+              <a:rPr lang="ko-KR" altLang="en-US"/>
               <a:t>마스터 부제목 스타일 편집</a:t>
             </a:r>
-            <a:endParaRPr lang="ko-KR" altLang="en-US"/>
           </a:p>
         </p:txBody>
       </p:sp>
@@ -288,7 +303,7 @@
           <a:p>
             <a:fld id="{FB30EDBD-1C2D-4C1E-B459-B60219FAB484}" type="datetimeFigureOut">
               <a:rPr lang="ko-KR" altLang="en-US" smtClean="0"/>
-              <a:t>2020-12-14</a:t>
+              <a:t>2023-05-06</a:t>
             </a:fld>
             <a:endParaRPr lang="ko-KR" altLang="en-US"/>
           </a:p>
@@ -377,10 +392,9 @@
           <a:lstStyle/>
           <a:p>
             <a:r>
-              <a:rPr lang="ko-KR" altLang="en-US" smtClean="0"/>
+              <a:rPr lang="ko-KR" altLang="en-US"/>
               <a:t>마스터 제목 스타일 편집</a:t>
             </a:r>
-            <a:endParaRPr lang="ko-KR" altLang="en-US"/>
           </a:p>
         </p:txBody>
       </p:sp>
@@ -401,38 +415,37 @@
           <a:p>
             <a:pPr lvl="0"/>
             <a:r>
-              <a:rPr lang="ko-KR" altLang="en-US" smtClean="0"/>
+              <a:rPr lang="ko-KR" altLang="en-US"/>
               <a:t>마스터 텍스트 스타일을 편집합니다</a:t>
             </a:r>
           </a:p>
           <a:p>
             <a:pPr lvl="1"/>
             <a:r>
-              <a:rPr lang="ko-KR" altLang="en-US" smtClean="0"/>
+              <a:rPr lang="ko-KR" altLang="en-US"/>
               <a:t>둘째 수준</a:t>
             </a:r>
           </a:p>
           <a:p>
             <a:pPr lvl="2"/>
             <a:r>
-              <a:rPr lang="ko-KR" altLang="en-US" smtClean="0"/>
+              <a:rPr lang="ko-KR" altLang="en-US"/>
               <a:t>셋째 수준</a:t>
             </a:r>
           </a:p>
           <a:p>
             <a:pPr lvl="3"/>
             <a:r>
-              <a:rPr lang="ko-KR" altLang="en-US" smtClean="0"/>
+              <a:rPr lang="ko-KR" altLang="en-US"/>
               <a:t>넷째 수준</a:t>
             </a:r>
           </a:p>
           <a:p>
             <a:pPr lvl="4"/>
             <a:r>
-              <a:rPr lang="ko-KR" altLang="en-US" smtClean="0"/>
+              <a:rPr lang="ko-KR" altLang="en-US"/>
               <a:t>다섯째 수준</a:t>
             </a:r>
-            <a:endParaRPr lang="ko-KR" altLang="en-US"/>
           </a:p>
         </p:txBody>
       </p:sp>
@@ -453,7 +466,7 @@
           <a:p>
             <a:fld id="{FB30EDBD-1C2D-4C1E-B459-B60219FAB484}" type="datetimeFigureOut">
               <a:rPr lang="ko-KR" altLang="en-US" smtClean="0"/>
-              <a:t>2020-12-14</a:t>
+              <a:t>2023-05-06</a:t>
             </a:fld>
             <a:endParaRPr lang="ko-KR" altLang="en-US"/>
           </a:p>
@@ -547,10 +560,9 @@
           <a:lstStyle/>
           <a:p>
             <a:r>
-              <a:rPr lang="ko-KR" altLang="en-US" smtClean="0"/>
+              <a:rPr lang="ko-KR" altLang="en-US"/>
               <a:t>마스터 제목 스타일 편집</a:t>
             </a:r>
-            <a:endParaRPr lang="ko-KR" altLang="en-US"/>
           </a:p>
         </p:txBody>
       </p:sp>
@@ -576,38 +588,37 @@
           <a:p>
             <a:pPr lvl="0"/>
             <a:r>
-              <a:rPr lang="ko-KR" altLang="en-US" smtClean="0"/>
+              <a:rPr lang="ko-KR" altLang="en-US"/>
               <a:t>마스터 텍스트 스타일을 편집합니다</a:t>
             </a:r>
           </a:p>
           <a:p>
             <a:pPr lvl="1"/>
             <a:r>
-              <a:rPr lang="ko-KR" altLang="en-US" smtClean="0"/>
+              <a:rPr lang="ko-KR" altLang="en-US"/>
               <a:t>둘째 수준</a:t>
             </a:r>
           </a:p>
           <a:p>
             <a:pPr lvl="2"/>
             <a:r>
-              <a:rPr lang="ko-KR" altLang="en-US" smtClean="0"/>
+              <a:rPr lang="ko-KR" altLang="en-US"/>
               <a:t>셋째 수준</a:t>
             </a:r>
           </a:p>
           <a:p>
             <a:pPr lvl="3"/>
             <a:r>
-              <a:rPr lang="ko-KR" altLang="en-US" smtClean="0"/>
+              <a:rPr lang="ko-KR" altLang="en-US"/>
               <a:t>넷째 수준</a:t>
             </a:r>
           </a:p>
           <a:p>
             <a:pPr lvl="4"/>
             <a:r>
-              <a:rPr lang="ko-KR" altLang="en-US" smtClean="0"/>
+              <a:rPr lang="ko-KR" altLang="en-US"/>
               <a:t>다섯째 수준</a:t>
             </a:r>
-            <a:endParaRPr lang="ko-KR" altLang="en-US"/>
           </a:p>
         </p:txBody>
       </p:sp>
@@ -628,7 +639,7 @@
           <a:p>
             <a:fld id="{FB30EDBD-1C2D-4C1E-B459-B60219FAB484}" type="datetimeFigureOut">
               <a:rPr lang="ko-KR" altLang="en-US" smtClean="0"/>
-              <a:t>2020-12-14</a:t>
+              <a:t>2023-05-06</a:t>
             </a:fld>
             <a:endParaRPr lang="ko-KR" altLang="en-US"/>
           </a:p>
@@ -717,10 +728,9 @@
           <a:lstStyle/>
           <a:p>
             <a:r>
-              <a:rPr lang="ko-KR" altLang="en-US" smtClean="0"/>
+              <a:rPr lang="ko-KR" altLang="en-US"/>
               <a:t>마스터 제목 스타일 편집</a:t>
             </a:r>
-            <a:endParaRPr lang="ko-KR" altLang="en-US"/>
           </a:p>
         </p:txBody>
       </p:sp>
@@ -741,38 +751,37 @@
           <a:p>
             <a:pPr lvl="0"/>
             <a:r>
-              <a:rPr lang="ko-KR" altLang="en-US" smtClean="0"/>
+              <a:rPr lang="ko-KR" altLang="en-US"/>
               <a:t>마스터 텍스트 스타일을 편집합니다</a:t>
             </a:r>
           </a:p>
           <a:p>
             <a:pPr lvl="1"/>
             <a:r>
-              <a:rPr lang="ko-KR" altLang="en-US" smtClean="0"/>
+              <a:rPr lang="ko-KR" altLang="en-US"/>
               <a:t>둘째 수준</a:t>
             </a:r>
           </a:p>
           <a:p>
             <a:pPr lvl="2"/>
             <a:r>
-              <a:rPr lang="ko-KR" altLang="en-US" smtClean="0"/>
+              <a:rPr lang="ko-KR" altLang="en-US"/>
               <a:t>셋째 수준</a:t>
             </a:r>
           </a:p>
           <a:p>
             <a:pPr lvl="3"/>
             <a:r>
-              <a:rPr lang="ko-KR" altLang="en-US" smtClean="0"/>
+              <a:rPr lang="ko-KR" altLang="en-US"/>
               <a:t>넷째 수준</a:t>
             </a:r>
           </a:p>
           <a:p>
             <a:pPr lvl="4"/>
             <a:r>
-              <a:rPr lang="ko-KR" altLang="en-US" smtClean="0"/>
+              <a:rPr lang="ko-KR" altLang="en-US"/>
               <a:t>다섯째 수준</a:t>
             </a:r>
-            <a:endParaRPr lang="ko-KR" altLang="en-US"/>
           </a:p>
         </p:txBody>
       </p:sp>
@@ -793,7 +802,7 @@
           <a:p>
             <a:fld id="{FB30EDBD-1C2D-4C1E-B459-B60219FAB484}" type="datetimeFigureOut">
               <a:rPr lang="ko-KR" altLang="en-US" smtClean="0"/>
-              <a:t>2020-12-14</a:t>
+              <a:t>2023-05-06</a:t>
             </a:fld>
             <a:endParaRPr lang="ko-KR" altLang="en-US"/>
           </a:p>
@@ -891,10 +900,9 @@
           </a:lstStyle>
           <a:p>
             <a:r>
-              <a:rPr lang="ko-KR" altLang="en-US" smtClean="0"/>
+              <a:rPr lang="ko-KR" altLang="en-US"/>
               <a:t>마스터 제목 스타일 편집</a:t>
             </a:r>
-            <a:endParaRPr lang="ko-KR" altLang="en-US"/>
           </a:p>
         </p:txBody>
       </p:sp>
@@ -1011,7 +1019,7 @@
           <a:p>
             <a:pPr lvl="0"/>
             <a:r>
-              <a:rPr lang="ko-KR" altLang="en-US" smtClean="0"/>
+              <a:rPr lang="ko-KR" altLang="en-US"/>
               <a:t>마스터 텍스트 스타일을 편집합니다</a:t>
             </a:r>
           </a:p>
@@ -1034,7 +1042,7 @@
           <a:p>
             <a:fld id="{FB30EDBD-1C2D-4C1E-B459-B60219FAB484}" type="datetimeFigureOut">
               <a:rPr lang="ko-KR" altLang="en-US" smtClean="0"/>
-              <a:t>2020-12-14</a:t>
+              <a:t>2023-05-06</a:t>
             </a:fld>
             <a:endParaRPr lang="ko-KR" altLang="en-US"/>
           </a:p>
@@ -1123,10 +1131,9 @@
           <a:lstStyle/>
           <a:p>
             <a:r>
-              <a:rPr lang="ko-KR" altLang="en-US" smtClean="0"/>
+              <a:rPr lang="ko-KR" altLang="en-US"/>
               <a:t>마스터 제목 스타일 편집</a:t>
             </a:r>
-            <a:endParaRPr lang="ko-KR" altLang="en-US"/>
           </a:p>
         </p:txBody>
       </p:sp>
@@ -1180,38 +1187,37 @@
           <a:p>
             <a:pPr lvl="0"/>
             <a:r>
-              <a:rPr lang="ko-KR" altLang="en-US" smtClean="0"/>
+              <a:rPr lang="ko-KR" altLang="en-US"/>
               <a:t>마스터 텍스트 스타일을 편집합니다</a:t>
             </a:r>
           </a:p>
           <a:p>
             <a:pPr lvl="1"/>
             <a:r>
-              <a:rPr lang="ko-KR" altLang="en-US" smtClean="0"/>
+              <a:rPr lang="ko-KR" altLang="en-US"/>
               <a:t>둘째 수준</a:t>
             </a:r>
           </a:p>
           <a:p>
             <a:pPr lvl="2"/>
             <a:r>
-              <a:rPr lang="ko-KR" altLang="en-US" smtClean="0"/>
+              <a:rPr lang="ko-KR" altLang="en-US"/>
               <a:t>셋째 수준</a:t>
             </a:r>
           </a:p>
           <a:p>
             <a:pPr lvl="3"/>
             <a:r>
-              <a:rPr lang="ko-KR" altLang="en-US" smtClean="0"/>
+              <a:rPr lang="ko-KR" altLang="en-US"/>
               <a:t>넷째 수준</a:t>
             </a:r>
           </a:p>
           <a:p>
             <a:pPr lvl="4"/>
             <a:r>
-              <a:rPr lang="ko-KR" altLang="en-US" smtClean="0"/>
+              <a:rPr lang="ko-KR" altLang="en-US"/>
               <a:t>다섯째 수준</a:t>
             </a:r>
-            <a:endParaRPr lang="ko-KR" altLang="en-US"/>
           </a:p>
         </p:txBody>
       </p:sp>
@@ -1265,38 +1271,37 @@
           <a:p>
             <a:pPr lvl="0"/>
             <a:r>
-              <a:rPr lang="ko-KR" altLang="en-US" smtClean="0"/>
+              <a:rPr lang="ko-KR" altLang="en-US"/>
               <a:t>마스터 텍스트 스타일을 편집합니다</a:t>
             </a:r>
           </a:p>
           <a:p>
             <a:pPr lvl="1"/>
             <a:r>
-              <a:rPr lang="ko-KR" altLang="en-US" smtClean="0"/>
+              <a:rPr lang="ko-KR" altLang="en-US"/>
               <a:t>둘째 수준</a:t>
             </a:r>
           </a:p>
           <a:p>
             <a:pPr lvl="2"/>
             <a:r>
-              <a:rPr lang="ko-KR" altLang="en-US" smtClean="0"/>
+              <a:rPr lang="ko-KR" altLang="en-US"/>
               <a:t>셋째 수준</a:t>
             </a:r>
           </a:p>
           <a:p>
             <a:pPr lvl="3"/>
             <a:r>
-              <a:rPr lang="ko-KR" altLang="en-US" smtClean="0"/>
+              <a:rPr lang="ko-KR" altLang="en-US"/>
               <a:t>넷째 수준</a:t>
             </a:r>
           </a:p>
           <a:p>
             <a:pPr lvl="4"/>
             <a:r>
-              <a:rPr lang="ko-KR" altLang="en-US" smtClean="0"/>
+              <a:rPr lang="ko-KR" altLang="en-US"/>
               <a:t>다섯째 수준</a:t>
             </a:r>
-            <a:endParaRPr lang="ko-KR" altLang="en-US"/>
           </a:p>
         </p:txBody>
       </p:sp>
@@ -1317,7 +1322,7 @@
           <a:p>
             <a:fld id="{FB30EDBD-1C2D-4C1E-B459-B60219FAB484}" type="datetimeFigureOut">
               <a:rPr lang="ko-KR" altLang="en-US" smtClean="0"/>
-              <a:t>2020-12-14</a:t>
+              <a:t>2023-05-06</a:t>
             </a:fld>
             <a:endParaRPr lang="ko-KR" altLang="en-US"/>
           </a:p>
@@ -1410,10 +1415,9 @@
           </a:lstStyle>
           <a:p>
             <a:r>
-              <a:rPr lang="ko-KR" altLang="en-US" smtClean="0"/>
+              <a:rPr lang="ko-KR" altLang="en-US"/>
               <a:t>마스터 제목 스타일 편집</a:t>
             </a:r>
-            <a:endParaRPr lang="ko-KR" altLang="en-US"/>
           </a:p>
         </p:txBody>
       </p:sp>
@@ -1476,7 +1480,7 @@
           <a:p>
             <a:pPr lvl="0"/>
             <a:r>
-              <a:rPr lang="ko-KR" altLang="en-US" smtClean="0"/>
+              <a:rPr lang="ko-KR" altLang="en-US"/>
               <a:t>마스터 텍스트 스타일을 편집합니다</a:t>
             </a:r>
           </a:p>
@@ -1532,38 +1536,37 @@
           <a:p>
             <a:pPr lvl="0"/>
             <a:r>
-              <a:rPr lang="ko-KR" altLang="en-US" smtClean="0"/>
+              <a:rPr lang="ko-KR" altLang="en-US"/>
               <a:t>마스터 텍스트 스타일을 편집합니다</a:t>
             </a:r>
           </a:p>
           <a:p>
             <a:pPr lvl="1"/>
             <a:r>
-              <a:rPr lang="ko-KR" altLang="en-US" smtClean="0"/>
+              <a:rPr lang="ko-KR" altLang="en-US"/>
               <a:t>둘째 수준</a:t>
             </a:r>
           </a:p>
           <a:p>
             <a:pPr lvl="2"/>
             <a:r>
-              <a:rPr lang="ko-KR" altLang="en-US" smtClean="0"/>
+              <a:rPr lang="ko-KR" altLang="en-US"/>
               <a:t>셋째 수준</a:t>
             </a:r>
           </a:p>
           <a:p>
             <a:pPr lvl="3"/>
             <a:r>
-              <a:rPr lang="ko-KR" altLang="en-US" smtClean="0"/>
+              <a:rPr lang="ko-KR" altLang="en-US"/>
               <a:t>넷째 수준</a:t>
             </a:r>
           </a:p>
           <a:p>
             <a:pPr lvl="4"/>
             <a:r>
-              <a:rPr lang="ko-KR" altLang="en-US" smtClean="0"/>
+              <a:rPr lang="ko-KR" altLang="en-US"/>
               <a:t>다섯째 수준</a:t>
             </a:r>
-            <a:endParaRPr lang="ko-KR" altLang="en-US"/>
           </a:p>
         </p:txBody>
       </p:sp>
@@ -1626,7 +1629,7 @@
           <a:p>
             <a:pPr lvl="0"/>
             <a:r>
-              <a:rPr lang="ko-KR" altLang="en-US" smtClean="0"/>
+              <a:rPr lang="ko-KR" altLang="en-US"/>
               <a:t>마스터 텍스트 스타일을 편집합니다</a:t>
             </a:r>
           </a:p>
@@ -1682,38 +1685,37 @@
           <a:p>
             <a:pPr lvl="0"/>
             <a:r>
-              <a:rPr lang="ko-KR" altLang="en-US" smtClean="0"/>
+              <a:rPr lang="ko-KR" altLang="en-US"/>
               <a:t>마스터 텍스트 스타일을 편집합니다</a:t>
             </a:r>
           </a:p>
           <a:p>
             <a:pPr lvl="1"/>
             <a:r>
-              <a:rPr lang="ko-KR" altLang="en-US" smtClean="0"/>
+              <a:rPr lang="ko-KR" altLang="en-US"/>
               <a:t>둘째 수준</a:t>
             </a:r>
           </a:p>
           <a:p>
             <a:pPr lvl="2"/>
             <a:r>
-              <a:rPr lang="ko-KR" altLang="en-US" smtClean="0"/>
+              <a:rPr lang="ko-KR" altLang="en-US"/>
               <a:t>셋째 수준</a:t>
             </a:r>
           </a:p>
           <a:p>
             <a:pPr lvl="3"/>
             <a:r>
-              <a:rPr lang="ko-KR" altLang="en-US" smtClean="0"/>
+              <a:rPr lang="ko-KR" altLang="en-US"/>
               <a:t>넷째 수준</a:t>
             </a:r>
           </a:p>
           <a:p>
             <a:pPr lvl="4"/>
             <a:r>
-              <a:rPr lang="ko-KR" altLang="en-US" smtClean="0"/>
+              <a:rPr lang="ko-KR" altLang="en-US"/>
               <a:t>다섯째 수준</a:t>
             </a:r>
-            <a:endParaRPr lang="ko-KR" altLang="en-US"/>
           </a:p>
         </p:txBody>
       </p:sp>
@@ -1734,7 +1736,7 @@
           <a:p>
             <a:fld id="{FB30EDBD-1C2D-4C1E-B459-B60219FAB484}" type="datetimeFigureOut">
               <a:rPr lang="ko-KR" altLang="en-US" smtClean="0"/>
-              <a:t>2020-12-14</a:t>
+              <a:t>2023-05-06</a:t>
             </a:fld>
             <a:endParaRPr lang="ko-KR" altLang="en-US"/>
           </a:p>
@@ -1823,10 +1825,9 @@
           <a:lstStyle/>
           <a:p>
             <a:r>
-              <a:rPr lang="ko-KR" altLang="en-US" smtClean="0"/>
+              <a:rPr lang="ko-KR" altLang="en-US"/>
               <a:t>마스터 제목 스타일 편집</a:t>
             </a:r>
-            <a:endParaRPr lang="ko-KR" altLang="en-US"/>
           </a:p>
         </p:txBody>
       </p:sp>
@@ -1847,7 +1848,7 @@
           <a:p>
             <a:fld id="{FB30EDBD-1C2D-4C1E-B459-B60219FAB484}" type="datetimeFigureOut">
               <a:rPr lang="ko-KR" altLang="en-US" smtClean="0"/>
-              <a:t>2020-12-14</a:t>
+              <a:t>2023-05-06</a:t>
             </a:fld>
             <a:endParaRPr lang="ko-KR" altLang="en-US"/>
           </a:p>
@@ -1937,7 +1938,7 @@
           <a:p>
             <a:fld id="{FB30EDBD-1C2D-4C1E-B459-B60219FAB484}" type="datetimeFigureOut">
               <a:rPr lang="ko-KR" altLang="en-US" smtClean="0"/>
-              <a:t>2020-12-14</a:t>
+              <a:t>2023-05-06</a:t>
             </a:fld>
             <a:endParaRPr lang="ko-KR" altLang="en-US"/>
           </a:p>
@@ -2035,10 +2036,9 @@
           </a:lstStyle>
           <a:p>
             <a:r>
-              <a:rPr lang="ko-KR" altLang="en-US" smtClean="0"/>
+              <a:rPr lang="ko-KR" altLang="en-US"/>
               <a:t>마스터 제목 스타일 편집</a:t>
             </a:r>
-            <a:endParaRPr lang="ko-KR" altLang="en-US"/>
           </a:p>
         </p:txBody>
       </p:sp>
@@ -2092,38 +2092,37 @@
           <a:p>
             <a:pPr lvl="0"/>
             <a:r>
-              <a:rPr lang="ko-KR" altLang="en-US" smtClean="0"/>
+              <a:rPr lang="ko-KR" altLang="en-US"/>
               <a:t>마스터 텍스트 스타일을 편집합니다</a:t>
             </a:r>
           </a:p>
           <a:p>
             <a:pPr lvl="1"/>
             <a:r>
-              <a:rPr lang="ko-KR" altLang="en-US" smtClean="0"/>
+              <a:rPr lang="ko-KR" altLang="en-US"/>
               <a:t>둘째 수준</a:t>
             </a:r>
           </a:p>
           <a:p>
             <a:pPr lvl="2"/>
             <a:r>
-              <a:rPr lang="ko-KR" altLang="en-US" smtClean="0"/>
+              <a:rPr lang="ko-KR" altLang="en-US"/>
               <a:t>셋째 수준</a:t>
             </a:r>
           </a:p>
           <a:p>
             <a:pPr lvl="3"/>
             <a:r>
-              <a:rPr lang="ko-KR" altLang="en-US" smtClean="0"/>
+              <a:rPr lang="ko-KR" altLang="en-US"/>
               <a:t>넷째 수준</a:t>
             </a:r>
           </a:p>
           <a:p>
             <a:pPr lvl="4"/>
             <a:r>
-              <a:rPr lang="ko-KR" altLang="en-US" smtClean="0"/>
+              <a:rPr lang="ko-KR" altLang="en-US"/>
               <a:t>다섯째 수준</a:t>
             </a:r>
-            <a:endParaRPr lang="ko-KR" altLang="en-US"/>
           </a:p>
         </p:txBody>
       </p:sp>
@@ -2186,7 +2185,7 @@
           <a:p>
             <a:pPr lvl="0"/>
             <a:r>
-              <a:rPr lang="ko-KR" altLang="en-US" smtClean="0"/>
+              <a:rPr lang="ko-KR" altLang="en-US"/>
               <a:t>마스터 텍스트 스타일을 편집합니다</a:t>
             </a:r>
           </a:p>
@@ -2209,7 +2208,7 @@
           <a:p>
             <a:fld id="{FB30EDBD-1C2D-4C1E-B459-B60219FAB484}" type="datetimeFigureOut">
               <a:rPr lang="ko-KR" altLang="en-US" smtClean="0"/>
-              <a:t>2020-12-14</a:t>
+              <a:t>2023-05-06</a:t>
             </a:fld>
             <a:endParaRPr lang="ko-KR" altLang="en-US"/>
           </a:p>
@@ -2307,10 +2306,9 @@
           </a:lstStyle>
           <a:p>
             <a:r>
-              <a:rPr lang="ko-KR" altLang="en-US" smtClean="0"/>
+              <a:rPr lang="ko-KR" altLang="en-US"/>
               <a:t>마스터 제목 스타일 편집</a:t>
             </a:r>
-            <a:endParaRPr lang="ko-KR" altLang="en-US"/>
           </a:p>
         </p:txBody>
       </p:sp>
@@ -2434,7 +2432,7 @@
           <a:p>
             <a:pPr lvl="0"/>
             <a:r>
-              <a:rPr lang="ko-KR" altLang="en-US" smtClean="0"/>
+              <a:rPr lang="ko-KR" altLang="en-US"/>
               <a:t>마스터 텍스트 스타일을 편집합니다</a:t>
             </a:r>
           </a:p>
@@ -2457,7 +2455,7 @@
           <a:p>
             <a:fld id="{FB30EDBD-1C2D-4C1E-B459-B60219FAB484}" type="datetimeFigureOut">
               <a:rPr lang="ko-KR" altLang="en-US" smtClean="0"/>
-              <a:t>2020-12-14</a:t>
+              <a:t>2023-05-06</a:t>
             </a:fld>
             <a:endParaRPr lang="ko-KR" altLang="en-US"/>
           </a:p>
@@ -2561,10 +2559,9 @@
           <a:lstStyle/>
           <a:p>
             <a:r>
-              <a:rPr lang="ko-KR" altLang="en-US" smtClean="0"/>
+              <a:rPr lang="ko-KR" altLang="en-US"/>
               <a:t>마스터 제목 스타일 편집</a:t>
             </a:r>
-            <a:endParaRPr lang="ko-KR" altLang="en-US"/>
           </a:p>
         </p:txBody>
       </p:sp>
@@ -2595,38 +2592,37 @@
           <a:p>
             <a:pPr lvl="0"/>
             <a:r>
-              <a:rPr lang="ko-KR" altLang="en-US" smtClean="0"/>
+              <a:rPr lang="ko-KR" altLang="en-US"/>
               <a:t>마스터 텍스트 스타일을 편집합니다</a:t>
             </a:r>
           </a:p>
           <a:p>
             <a:pPr lvl="1"/>
             <a:r>
-              <a:rPr lang="ko-KR" altLang="en-US" smtClean="0"/>
+              <a:rPr lang="ko-KR" altLang="en-US"/>
               <a:t>둘째 수준</a:t>
             </a:r>
           </a:p>
           <a:p>
             <a:pPr lvl="2"/>
             <a:r>
-              <a:rPr lang="ko-KR" altLang="en-US" smtClean="0"/>
+              <a:rPr lang="ko-KR" altLang="en-US"/>
               <a:t>셋째 수준</a:t>
             </a:r>
           </a:p>
           <a:p>
             <a:pPr lvl="3"/>
             <a:r>
-              <a:rPr lang="ko-KR" altLang="en-US" smtClean="0"/>
+              <a:rPr lang="ko-KR" altLang="en-US"/>
               <a:t>넷째 수준</a:t>
             </a:r>
           </a:p>
           <a:p>
             <a:pPr lvl="4"/>
             <a:r>
-              <a:rPr lang="ko-KR" altLang="en-US" smtClean="0"/>
+              <a:rPr lang="ko-KR" altLang="en-US"/>
               <a:t>다섯째 수준</a:t>
             </a:r>
-            <a:endParaRPr lang="ko-KR" altLang="en-US"/>
           </a:p>
         </p:txBody>
       </p:sp>
@@ -2665,7 +2661,7 @@
           <a:p>
             <a:fld id="{FB30EDBD-1C2D-4C1E-B459-B60219FAB484}" type="datetimeFigureOut">
               <a:rPr lang="ko-KR" altLang="en-US" smtClean="0"/>
-              <a:t>2020-12-14</a:t>
+              <a:t>2023-05-06</a:t>
             </a:fld>
             <a:endParaRPr lang="ko-KR" altLang="en-US"/>
           </a:p>
@@ -3035,8 +3031,8 @@
           <a:chExt cx="0" cy="0"/>
         </a:xfrm>
       </p:grpSpPr>
-      <mc:AlternateContent xmlns:mc="http://schemas.openxmlformats.org/markup-compatibility/2006">
-        <mc:Choice xmlns:a14="http://schemas.microsoft.com/office/drawing/2010/main" Requires="a14">
+      <mc:AlternateContent xmlns:mc="http://schemas.openxmlformats.org/markup-compatibility/2006" xmlns:a14="http://schemas.microsoft.com/office/drawing/2010/main">
+        <mc:Choice Requires="a14">
           <p:graphicFrame>
             <p:nvGraphicFramePr>
               <p:cNvPr id="4" name="표 3"/>
@@ -3062,13 +3058,55 @@
                     <a:tableStyleId>{073A0DAA-6AF3-43AB-8588-CEC1D06C72B9}</a:tableStyleId>
                   </a:tblPr>
                   <a:tblGrid>
-                    <a:gridCol w="1110028"/>
-                    <a:gridCol w="1110028"/>
-                    <a:gridCol w="1110028"/>
-                    <a:gridCol w="1110028"/>
-                    <a:gridCol w="1110028"/>
-                    <a:gridCol w="1110028"/>
-                    <a:gridCol w="1110028"/>
+                    <a:gridCol w="1110028">
+                      <a:extLst>
+                        <a:ext uri="{9D8B030D-6E8A-4147-A177-3AD203B41FA5}">
+                          <a16:colId xmlns:a16="http://schemas.microsoft.com/office/drawing/2014/main" val="20000"/>
+                        </a:ext>
+                      </a:extLst>
+                    </a:gridCol>
+                    <a:gridCol w="1110028">
+                      <a:extLst>
+                        <a:ext uri="{9D8B030D-6E8A-4147-A177-3AD203B41FA5}">
+                          <a16:colId xmlns:a16="http://schemas.microsoft.com/office/drawing/2014/main" val="20001"/>
+                        </a:ext>
+                      </a:extLst>
+                    </a:gridCol>
+                    <a:gridCol w="1110028">
+                      <a:extLst>
+                        <a:ext uri="{9D8B030D-6E8A-4147-A177-3AD203B41FA5}">
+                          <a16:colId xmlns:a16="http://schemas.microsoft.com/office/drawing/2014/main" val="20002"/>
+                        </a:ext>
+                      </a:extLst>
+                    </a:gridCol>
+                    <a:gridCol w="1110028">
+                      <a:extLst>
+                        <a:ext uri="{9D8B030D-6E8A-4147-A177-3AD203B41FA5}">
+                          <a16:colId xmlns:a16="http://schemas.microsoft.com/office/drawing/2014/main" val="20003"/>
+                        </a:ext>
+                      </a:extLst>
+                    </a:gridCol>
+                    <a:gridCol w="1110028">
+                      <a:extLst>
+                        <a:ext uri="{9D8B030D-6E8A-4147-A177-3AD203B41FA5}">
+                          <a16:colId xmlns:a16="http://schemas.microsoft.com/office/drawing/2014/main" val="20004"/>
+                        </a:ext>
+                      </a:extLst>
+                    </a:gridCol>
+                    <a:gridCol w="1110028">
+                      <a:extLst>
+                        <a:ext uri="{9D8B030D-6E8A-4147-A177-3AD203B41FA5}">
+                          <a16:colId xmlns:a16="http://schemas.microsoft.com/office/drawing/2014/main" val="20005"/>
+                        </a:ext>
+                      </a:extLst>
+                    </a:gridCol>
+                    <a:gridCol w="1110028">
+                      <a:extLst>
+                        <a:ext uri="{9D8B030D-6E8A-4147-A177-3AD203B41FA5}">
+                          <a16:colId xmlns:a16="http://schemas.microsoft.com/office/drawing/2014/main" val="20006"/>
+                        </a:ext>
+                      </a:extLst>
+                    </a:gridCol>
                   </a:tblGrid>
                   <a:tr h="370840">
                     <a:tc>
@@ -3104,7 +3142,7 @@
                         <a:p>
                           <a:pPr algn="ctr" latinLnBrk="1"/>
                           <a:r>
-                            <a:rPr lang="en-US" altLang="ko-KR" dirty="0" smtClean="0"/>
+                            <a:rPr lang="en-US" altLang="ko-KR" dirty="0"/>
                             <a:t>1</a:t>
                           </a:r>
                           <a:endParaRPr lang="ko-KR" altLang="en-US" dirty="0"/>
@@ -3119,7 +3157,7 @@
                         <a:p>
                           <a:pPr algn="ctr" latinLnBrk="1"/>
                           <a:r>
-                            <a:rPr lang="en-US" altLang="ko-KR" dirty="0" smtClean="0"/>
+                            <a:rPr lang="en-US" altLang="ko-KR" dirty="0"/>
                             <a:t>2</a:t>
                           </a:r>
                           <a:endParaRPr lang="ko-KR" altLang="en-US" dirty="0"/>
@@ -3134,7 +3172,7 @@
                         <a:p>
                           <a:pPr algn="ctr" latinLnBrk="1"/>
                           <a:r>
-                            <a:rPr lang="en-US" altLang="ko-KR" dirty="0" smtClean="0"/>
+                            <a:rPr lang="en-US" altLang="ko-KR" dirty="0"/>
                             <a:t>3</a:t>
                           </a:r>
                           <a:endParaRPr lang="ko-KR" altLang="en-US" dirty="0"/>
@@ -3149,7 +3187,7 @@
                         <a:p>
                           <a:pPr algn="ctr" latinLnBrk="1"/>
                           <a:r>
-                            <a:rPr lang="en-US" altLang="ko-KR" dirty="0" smtClean="0"/>
+                            <a:rPr lang="en-US" altLang="ko-KR" dirty="0"/>
                             <a:t>4</a:t>
                           </a:r>
                           <a:endParaRPr lang="ko-KR" altLang="en-US" dirty="0"/>
@@ -3164,7 +3202,7 @@
                         <a:p>
                           <a:pPr algn="ctr" latinLnBrk="1"/>
                           <a:r>
-                            <a:rPr lang="en-US" altLang="ko-KR" dirty="0" smtClean="0"/>
+                            <a:rPr lang="en-US" altLang="ko-KR" dirty="0"/>
                             <a:t>5</a:t>
                           </a:r>
                           <a:endParaRPr lang="ko-KR" altLang="en-US" dirty="0"/>
@@ -3179,7 +3217,7 @@
                         <a:p>
                           <a:pPr algn="ctr" latinLnBrk="1"/>
                           <a:r>
-                            <a:rPr lang="en-US" altLang="ko-KR" dirty="0" smtClean="0"/>
+                            <a:rPr lang="en-US" altLang="ko-KR" dirty="0"/>
                             <a:t>6</a:t>
                           </a:r>
                           <a:endParaRPr lang="ko-KR" altLang="en-US" dirty="0"/>
@@ -3187,6 +3225,11 @@
                       </a:txBody>
                       <a:tcPr/>
                     </a:tc>
+                    <a:extLst>
+                      <a:ext uri="{0D108BD9-81ED-4DB2-BD59-A6C34878D82A}">
+                        <a16:rowId xmlns:a16="http://schemas.microsoft.com/office/drawing/2014/main" val="10000"/>
+                      </a:ext>
+                    </a:extLst>
                   </a:tr>
                   <a:tr h="370840">
                     <a:tc>
@@ -3255,7 +3298,7 @@
                         <a:p>
                           <a:pPr algn="ctr" latinLnBrk="1"/>
                           <a:r>
-                            <a:rPr lang="en-US" altLang="ko-KR" dirty="0" smtClean="0"/>
+                            <a:rPr lang="en-US" altLang="ko-KR" dirty="0"/>
                             <a:t>1/6</a:t>
                           </a:r>
                           <a:endParaRPr lang="ko-KR" altLang="en-US" dirty="0"/>
@@ -3270,7 +3313,7 @@
                         <a:p>
                           <a:pPr algn="ctr" latinLnBrk="1"/>
                           <a:r>
-                            <a:rPr lang="en-US" altLang="ko-KR" smtClean="0"/>
+                            <a:rPr lang="en-US" altLang="ko-KR"/>
                             <a:t>1/6</a:t>
                           </a:r>
                           <a:endParaRPr lang="ko-KR" altLang="en-US" dirty="0"/>
@@ -3285,7 +3328,7 @@
                         <a:p>
                           <a:pPr algn="ctr" latinLnBrk="1"/>
                           <a:r>
-                            <a:rPr lang="en-US" altLang="ko-KR" smtClean="0"/>
+                            <a:rPr lang="en-US" altLang="ko-KR"/>
                             <a:t>1/6</a:t>
                           </a:r>
                           <a:endParaRPr lang="ko-KR" altLang="en-US" dirty="0"/>
@@ -3300,7 +3343,7 @@
                         <a:p>
                           <a:pPr algn="ctr" latinLnBrk="1"/>
                           <a:r>
-                            <a:rPr lang="en-US" altLang="ko-KR" smtClean="0"/>
+                            <a:rPr lang="en-US" altLang="ko-KR"/>
                             <a:t>1/6</a:t>
                           </a:r>
                           <a:endParaRPr lang="ko-KR" altLang="en-US" dirty="0"/>
@@ -3315,7 +3358,7 @@
                         <a:p>
                           <a:pPr algn="ctr" latinLnBrk="1"/>
                           <a:r>
-                            <a:rPr lang="en-US" altLang="ko-KR" smtClean="0"/>
+                            <a:rPr lang="en-US" altLang="ko-KR"/>
                             <a:t>1/6</a:t>
                           </a:r>
                           <a:endParaRPr lang="ko-KR" altLang="en-US" dirty="0"/>
@@ -3330,7 +3373,7 @@
                         <a:p>
                           <a:pPr algn="ctr" latinLnBrk="1"/>
                           <a:r>
-                            <a:rPr lang="en-US" altLang="ko-KR" dirty="0" smtClean="0"/>
+                            <a:rPr lang="en-US" altLang="ko-KR" dirty="0"/>
                             <a:t>1/6</a:t>
                           </a:r>
                           <a:endParaRPr lang="ko-KR" altLang="en-US" dirty="0"/>
@@ -3338,13 +3381,18 @@
                       </a:txBody>
                       <a:tcPr/>
                     </a:tc>
+                    <a:extLst>
+                      <a:ext uri="{0D108BD9-81ED-4DB2-BD59-A6C34878D82A}">
+                        <a16:rowId xmlns:a16="http://schemas.microsoft.com/office/drawing/2014/main" val="10001"/>
+                      </a:ext>
+                    </a:extLst>
                   </a:tr>
                 </a:tbl>
               </a:graphicData>
             </a:graphic>
           </p:graphicFrame>
         </mc:Choice>
-        <mc:Fallback>
+        <mc:Fallback xmlns="">
           <p:graphicFrame>
             <p:nvGraphicFramePr>
               <p:cNvPr id="4" name="표 3"/>
@@ -3602,8 +3650,368 @@
           </p:graphicFrame>
         </mc:Fallback>
       </mc:AlternateContent>
-      <mc:AlternateContent xmlns:mc="http://schemas.openxmlformats.org/markup-compatibility/2006">
-        <mc:Choice xmlns:a14="http://schemas.microsoft.com/office/drawing/2010/main" Requires="a14">
+      <mc:AlternateContent xmlns:mc="http://schemas.openxmlformats.org/markup-compatibility/2006" xmlns:a14="http://schemas.microsoft.com/office/drawing/2010/main">
+        <mc:Choice Requires="a14">
+          <p:graphicFrame>
+            <p:nvGraphicFramePr>
+              <p:cNvPr id="3" name="표 2"/>
+              <p:cNvGraphicFramePr>
+                <a:graphicFrameLocks noGrp="1"/>
+              </p:cNvGraphicFramePr>
+              <p:nvPr>
+                <p:extLst>
+                  <p:ext uri="{D42A27DB-BD31-4B8C-83A1-F6EECF244321}">
+                    <p14:modId xmlns:p14="http://schemas.microsoft.com/office/powerpoint/2010/main" val="3870112153"/>
+                  </p:ext>
+                </p:extLst>
+              </p:nvPr>
+            </p:nvGraphicFramePr>
+            <p:xfrm>
+              <a:off x="611560" y="2708920"/>
+              <a:ext cx="7770196" cy="741680"/>
+            </p:xfrm>
+            <a:graphic>
+              <a:graphicData uri="http://schemas.openxmlformats.org/drawingml/2006/table">
+                <a:tbl>
+                  <a:tblPr firstRow="1" bandRow="1">
+                    <a:tableStyleId>{21E4AEA4-8DFA-4A89-87EB-49C32662AFE0}</a:tableStyleId>
+                  </a:tblPr>
+                  <a:tblGrid>
+                    <a:gridCol w="1110028">
+                      <a:extLst>
+                        <a:ext uri="{9D8B030D-6E8A-4147-A177-3AD203B41FA5}">
+                          <a16:colId xmlns:a16="http://schemas.microsoft.com/office/drawing/2014/main" val="20000"/>
+                        </a:ext>
+                      </a:extLst>
+                    </a:gridCol>
+                    <a:gridCol w="1110028">
+                      <a:extLst>
+                        <a:ext uri="{9D8B030D-6E8A-4147-A177-3AD203B41FA5}">
+                          <a16:colId xmlns:a16="http://schemas.microsoft.com/office/drawing/2014/main" val="20001"/>
+                        </a:ext>
+                      </a:extLst>
+                    </a:gridCol>
+                    <a:gridCol w="1110028">
+                      <a:extLst>
+                        <a:ext uri="{9D8B030D-6E8A-4147-A177-3AD203B41FA5}">
+                          <a16:colId xmlns:a16="http://schemas.microsoft.com/office/drawing/2014/main" val="20002"/>
+                        </a:ext>
+                      </a:extLst>
+                    </a:gridCol>
+                    <a:gridCol w="1110028">
+                      <a:extLst>
+                        <a:ext uri="{9D8B030D-6E8A-4147-A177-3AD203B41FA5}">
+                          <a16:colId xmlns:a16="http://schemas.microsoft.com/office/drawing/2014/main" val="20003"/>
+                        </a:ext>
+                      </a:extLst>
+                    </a:gridCol>
+                    <a:gridCol w="1110028">
+                      <a:extLst>
+                        <a:ext uri="{9D8B030D-6E8A-4147-A177-3AD203B41FA5}">
+                          <a16:colId xmlns:a16="http://schemas.microsoft.com/office/drawing/2014/main" val="20004"/>
+                        </a:ext>
+                      </a:extLst>
+                    </a:gridCol>
+                    <a:gridCol w="1110028">
+                      <a:extLst>
+                        <a:ext uri="{9D8B030D-6E8A-4147-A177-3AD203B41FA5}">
+                          <a16:colId xmlns:a16="http://schemas.microsoft.com/office/drawing/2014/main" val="20005"/>
+                        </a:ext>
+                      </a:extLst>
+                    </a:gridCol>
+                    <a:gridCol w="1110028">
+                      <a:extLst>
+                        <a:ext uri="{9D8B030D-6E8A-4147-A177-3AD203B41FA5}">
+                          <a16:colId xmlns:a16="http://schemas.microsoft.com/office/drawing/2014/main" val="20006"/>
+                        </a:ext>
+                      </a:extLst>
+                    </a:gridCol>
+                  </a:tblGrid>
+                  <a:tr h="370840">
+                    <a:tc>
+                      <a:txBody>
+                        <a:bodyPr/>
+                        <a:lstStyle/>
+                        <a:p>
+                          <a:pPr latinLnBrk="1"/>
+                          <a14:m>
+                            <m:oMathPara xmlns:m="http://schemas.openxmlformats.org/officeDocument/2006/math">
+                              <m:oMathParaPr>
+                                <m:jc m:val="centerGroup"/>
+                              </m:oMathParaPr>
+                              <m:oMath xmlns:m="http://schemas.openxmlformats.org/officeDocument/2006/math">
+                                <m:r>
+                                  <a:rPr lang="en-US" altLang="ko-KR" smtClean="0">
+                                    <a:latin typeface="Cambria Math" panose="02040503050406030204" pitchFamily="18" charset="0"/>
+                                  </a:rPr>
+                                  <m:t>𝑿</m:t>
+                                </m:r>
+                              </m:oMath>
+                            </m:oMathPara>
+                          </a14:m>
+                          <a:endParaRPr lang="ko-KR" altLang="en-US" dirty="0"/>
+                        </a:p>
+                      </a:txBody>
+                      <a:tcPr/>
+                    </a:tc>
+                    <a:tc>
+                      <a:txBody>
+                        <a:bodyPr/>
+                        <a:lstStyle/>
+                        <a:p>
+                          <a:pPr algn="ctr" latinLnBrk="1"/>
+                          <a:r>
+                            <a:rPr lang="en-US" altLang="ko-KR" dirty="0"/>
+                            <a:t>1</a:t>
+                          </a:r>
+                          <a:endParaRPr lang="ko-KR" altLang="en-US" dirty="0"/>
+                        </a:p>
+                      </a:txBody>
+                      <a:tcPr/>
+                    </a:tc>
+                    <a:tc>
+                      <a:txBody>
+                        <a:bodyPr/>
+                        <a:lstStyle/>
+                        <a:p>
+                          <a:pPr algn="ctr" latinLnBrk="1"/>
+                          <a:r>
+                            <a:rPr lang="en-US" altLang="ko-KR" dirty="0"/>
+                            <a:t>2</a:t>
+                          </a:r>
+                          <a:endParaRPr lang="ko-KR" altLang="en-US" dirty="0"/>
+                        </a:p>
+                      </a:txBody>
+                      <a:tcPr/>
+                    </a:tc>
+                    <a:tc>
+                      <a:txBody>
+                        <a:bodyPr/>
+                        <a:lstStyle/>
+                        <a:p>
+                          <a:pPr algn="ctr" latinLnBrk="1"/>
+                          <a:r>
+                            <a:rPr lang="en-US" altLang="ko-KR" dirty="0"/>
+                            <a:t>3</a:t>
+                          </a:r>
+                          <a:endParaRPr lang="ko-KR" altLang="en-US" dirty="0"/>
+                        </a:p>
+                      </a:txBody>
+                      <a:tcPr/>
+                    </a:tc>
+                    <a:tc>
+                      <a:txBody>
+                        <a:bodyPr/>
+                        <a:lstStyle/>
+                        <a:p>
+                          <a:pPr algn="ctr" latinLnBrk="1"/>
+                          <a:r>
+                            <a:rPr lang="en-US" altLang="ko-KR" dirty="0"/>
+                            <a:t>4</a:t>
+                          </a:r>
+                          <a:endParaRPr lang="ko-KR" altLang="en-US" dirty="0"/>
+                        </a:p>
+                      </a:txBody>
+                      <a:tcPr/>
+                    </a:tc>
+                    <a:tc>
+                      <a:txBody>
+                        <a:bodyPr/>
+                        <a:lstStyle/>
+                        <a:p>
+                          <a:pPr algn="ctr" latinLnBrk="1"/>
+                          <a:r>
+                            <a:rPr lang="en-US" altLang="ko-KR" dirty="0"/>
+                            <a:t>5</a:t>
+                          </a:r>
+                          <a:endParaRPr lang="ko-KR" altLang="en-US" dirty="0"/>
+                        </a:p>
+                      </a:txBody>
+                      <a:tcPr/>
+                    </a:tc>
+                    <a:tc>
+                      <a:txBody>
+                        <a:bodyPr/>
+                        <a:lstStyle/>
+                        <a:p>
+                          <a:pPr algn="ctr" latinLnBrk="1"/>
+                          <a:r>
+                            <a:rPr lang="en-US" altLang="ko-KR" dirty="0"/>
+                            <a:t>6</a:t>
+                          </a:r>
+                          <a:endParaRPr lang="ko-KR" altLang="en-US" dirty="0"/>
+                        </a:p>
+                      </a:txBody>
+                      <a:tcPr/>
+                    </a:tc>
+                    <a:extLst>
+                      <a:ext uri="{0D108BD9-81ED-4DB2-BD59-A6C34878D82A}">
+                        <a16:rowId xmlns:a16="http://schemas.microsoft.com/office/drawing/2014/main" val="10000"/>
+                      </a:ext>
+                    </a:extLst>
+                  </a:tr>
+                  <a:tr h="370840">
+                    <a:tc>
+                      <a:txBody>
+                        <a:bodyPr/>
+                        <a:lstStyle/>
+                        <a:p>
+                          <a:pPr latinLnBrk="1"/>
+                          <a14:m>
+                            <m:oMathPara xmlns:m="http://schemas.openxmlformats.org/officeDocument/2006/math">
+                              <m:oMathParaPr>
+                                <m:jc m:val="centerGroup"/>
+                              </m:oMathParaPr>
+                              <m:oMath xmlns:m="http://schemas.openxmlformats.org/officeDocument/2006/math">
+                                <m:r>
+                                  <m:rPr>
+                                    <m:sty m:val="p"/>
+                                  </m:rPr>
+                                  <a:rPr lang="en-US" altLang="ko-KR" dirty="0" smtClean="0">
+                                    <a:latin typeface="Cambria Math" panose="02040503050406030204" pitchFamily="18" charset="0"/>
+                                  </a:rPr>
+                                  <m:t>Q</m:t>
+                                </m:r>
+                                <m:r>
+                                  <a:rPr lang="en-US" altLang="ko-KR" dirty="0" smtClean="0">
+                                    <a:latin typeface="Cambria Math" panose="02040503050406030204" pitchFamily="18" charset="0"/>
+                                  </a:rPr>
+                                  <m:t>(</m:t>
+                                </m:r>
+                                <m:r>
+                                  <a:rPr lang="en-US" altLang="ko-KR" dirty="0" smtClean="0">
+                                    <a:latin typeface="Cambria Math" panose="02040503050406030204" pitchFamily="18" charset="0"/>
+                                  </a:rPr>
+                                  <m:t>𝑥</m:t>
+                                </m:r>
+                                <m:r>
+                                  <a:rPr lang="en-US" altLang="ko-KR" dirty="0" smtClean="0">
+                                    <a:latin typeface="Cambria Math" panose="02040503050406030204" pitchFamily="18" charset="0"/>
+                                  </a:rPr>
+                                  <m:t>=</m:t>
+                                </m:r>
+                                <m:r>
+                                  <a:rPr lang="en-US" altLang="ko-KR" dirty="0" smtClean="0">
+                                    <a:latin typeface="Cambria Math" panose="02040503050406030204" pitchFamily="18" charset="0"/>
+                                  </a:rPr>
+                                  <m:t>𝑋</m:t>
+                                </m:r>
+                                <m:r>
+                                  <a:rPr lang="en-US" altLang="ko-KR" dirty="0" smtClean="0">
+                                    <a:latin typeface="Cambria Math" panose="02040503050406030204" pitchFamily="18" charset="0"/>
+                                  </a:rPr>
+                                  <m:t>)</m:t>
+                                </m:r>
+                              </m:oMath>
+                            </m:oMathPara>
+                          </a14:m>
+                          <a:endParaRPr lang="ko-KR" altLang="en-US" dirty="0"/>
+                        </a:p>
+                      </a:txBody>
+                      <a:tcPr/>
+                    </a:tc>
+                    <a:tc>
+                      <a:txBody>
+                        <a:bodyPr/>
+                        <a:lstStyle/>
+                        <a:p>
+                          <a:pPr algn="ctr" latinLnBrk="1"/>
+                          <a:r>
+                            <a:rPr lang="en-US" altLang="ko-KR" dirty="0"/>
+                            <a:t>1/2</a:t>
+                          </a:r>
+                          <a:endParaRPr lang="ko-KR" altLang="en-US" dirty="0"/>
+                        </a:p>
+                      </a:txBody>
+                      <a:tcPr/>
+                    </a:tc>
+                    <a:tc>
+                      <a:txBody>
+                        <a:bodyPr/>
+                        <a:lstStyle/>
+                        <a:p>
+                          <a:pPr algn="ctr" latinLnBrk="1"/>
+                          <a:r>
+                            <a:rPr lang="en-US" altLang="ko-KR" dirty="0"/>
+                            <a:t>1/10</a:t>
+                          </a:r>
+                          <a:endParaRPr lang="ko-KR" altLang="en-US" dirty="0"/>
+                        </a:p>
+                      </a:txBody>
+                      <a:tcPr/>
+                    </a:tc>
+                    <a:tc>
+                      <a:txBody>
+                        <a:bodyPr/>
+                        <a:lstStyle/>
+                        <a:p>
+                          <a:pPr algn="ctr" latinLnBrk="1"/>
+                          <a:r>
+                            <a:rPr lang="en-US" altLang="ko-KR" dirty="0"/>
+                            <a:t>1/10</a:t>
+                          </a:r>
+                          <a:endParaRPr lang="ko-KR" altLang="en-US" dirty="0"/>
+                        </a:p>
+                      </a:txBody>
+                      <a:tcPr/>
+                    </a:tc>
+                    <a:tc>
+                      <a:txBody>
+                        <a:bodyPr/>
+                        <a:lstStyle/>
+                        <a:p>
+                          <a:pPr algn="ctr" latinLnBrk="1"/>
+                          <a:r>
+                            <a:rPr lang="en-US" altLang="ko-KR" dirty="0"/>
+                            <a:t>1/10</a:t>
+                          </a:r>
+                          <a:endParaRPr lang="ko-KR" altLang="en-US" dirty="0"/>
+                        </a:p>
+                      </a:txBody>
+                      <a:tcPr/>
+                    </a:tc>
+                    <a:tc>
+                      <a:txBody>
+                        <a:bodyPr/>
+                        <a:lstStyle/>
+                        <a:p>
+                          <a:pPr algn="ctr" latinLnBrk="1"/>
+                          <a:r>
+                            <a:rPr lang="en-US" altLang="ko-KR" dirty="0"/>
+                            <a:t>1/10</a:t>
+                          </a:r>
+                          <a:endParaRPr lang="ko-KR" altLang="en-US" dirty="0"/>
+                        </a:p>
+                      </a:txBody>
+                      <a:tcPr/>
+                    </a:tc>
+                    <a:tc>
+                      <a:txBody>
+                        <a:bodyPr/>
+                        <a:lstStyle/>
+                        <a:p>
+                          <a:pPr algn="ctr" latinLnBrk="1"/>
+                          <a:r>
+                            <a:rPr lang="en-US" altLang="ko-KR" dirty="0"/>
+                            <a:t>1/10</a:t>
+                          </a:r>
+                          <a:endParaRPr lang="ko-KR" altLang="en-US" dirty="0"/>
+                        </a:p>
+                      </a:txBody>
+                      <a:tcPr/>
+                    </a:tc>
+                    <a:extLst>
+                      <a:ext uri="{0D108BD9-81ED-4DB2-BD59-A6C34878D82A}">
+                        <a16:rowId xmlns:a16="http://schemas.microsoft.com/office/drawing/2014/main" val="10001"/>
+                      </a:ext>
+                    </a:extLst>
+                  </a:tr>
+                </a:tbl>
+              </a:graphicData>
+            </a:graphic>
+          </p:graphicFrame>
+        </mc:Choice>
+        <mc:Fallback xmlns="">
           <p:graphicFrame>
             <p:nvGraphicFramePr>
               <p:cNvPr id="3" name="표 2"/>
@@ -3643,6 +4051,389 @@
                         <a:bodyPr/>
                         <a:lstStyle/>
                         <a:p>
+                          <a:endParaRPr lang="ko-KR"/>
+                        </a:p>
+                      </a:txBody>
+                      <a:tcPr>
+                        <a:blipFill rotWithShape="1">
+                          <a:blip r:embed="rId3"/>
+                          <a:stretch>
+                            <a:fillRect t="-8197" r="-600549" b="-124590"/>
+                          </a:stretch>
+                        </a:blipFill>
+                      </a:tcPr>
+                    </a:tc>
+                    <a:tc>
+                      <a:txBody>
+                        <a:bodyPr/>
+                        <a:lstStyle/>
+                        <a:p>
+                          <a:pPr algn="ctr" latinLnBrk="1"/>
+                          <a:r>
+                            <a:rPr lang="en-US" altLang="ko-KR" dirty="0" smtClean="0"/>
+                            <a:t>1</a:t>
+                          </a:r>
+                          <a:endParaRPr lang="ko-KR" altLang="en-US" dirty="0"/>
+                        </a:p>
+                      </a:txBody>
+                      <a:tcPr/>
+                    </a:tc>
+                    <a:tc>
+                      <a:txBody>
+                        <a:bodyPr/>
+                        <a:lstStyle/>
+                        <a:p>
+                          <a:pPr algn="ctr" latinLnBrk="1"/>
+                          <a:r>
+                            <a:rPr lang="en-US" altLang="ko-KR" dirty="0" smtClean="0"/>
+                            <a:t>2</a:t>
+                          </a:r>
+                          <a:endParaRPr lang="ko-KR" altLang="en-US" dirty="0"/>
+                        </a:p>
+                      </a:txBody>
+                      <a:tcPr/>
+                    </a:tc>
+                    <a:tc>
+                      <a:txBody>
+                        <a:bodyPr/>
+                        <a:lstStyle/>
+                        <a:p>
+                          <a:pPr algn="ctr" latinLnBrk="1"/>
+                          <a:r>
+                            <a:rPr lang="en-US" altLang="ko-KR" dirty="0" smtClean="0"/>
+                            <a:t>3</a:t>
+                          </a:r>
+                          <a:endParaRPr lang="ko-KR" altLang="en-US" dirty="0"/>
+                        </a:p>
+                      </a:txBody>
+                      <a:tcPr/>
+                    </a:tc>
+                    <a:tc>
+                      <a:txBody>
+                        <a:bodyPr/>
+                        <a:lstStyle/>
+                        <a:p>
+                          <a:pPr algn="ctr" latinLnBrk="1"/>
+                          <a:r>
+                            <a:rPr lang="en-US" altLang="ko-KR" dirty="0" smtClean="0"/>
+                            <a:t>4</a:t>
+                          </a:r>
+                          <a:endParaRPr lang="ko-KR" altLang="en-US" dirty="0"/>
+                        </a:p>
+                      </a:txBody>
+                      <a:tcPr/>
+                    </a:tc>
+                    <a:tc>
+                      <a:txBody>
+                        <a:bodyPr/>
+                        <a:lstStyle/>
+                        <a:p>
+                          <a:pPr algn="ctr" latinLnBrk="1"/>
+                          <a:r>
+                            <a:rPr lang="en-US" altLang="ko-KR" dirty="0" smtClean="0"/>
+                            <a:t>5</a:t>
+                          </a:r>
+                          <a:endParaRPr lang="ko-KR" altLang="en-US" dirty="0"/>
+                        </a:p>
+                      </a:txBody>
+                      <a:tcPr/>
+                    </a:tc>
+                    <a:tc>
+                      <a:txBody>
+                        <a:bodyPr/>
+                        <a:lstStyle/>
+                        <a:p>
+                          <a:pPr algn="ctr" latinLnBrk="1"/>
+                          <a:r>
+                            <a:rPr lang="en-US" altLang="ko-KR" dirty="0" smtClean="0"/>
+                            <a:t>6</a:t>
+                          </a:r>
+                          <a:endParaRPr lang="ko-KR" altLang="en-US" dirty="0"/>
+                        </a:p>
+                      </a:txBody>
+                      <a:tcPr/>
+                    </a:tc>
+                  </a:tr>
+                  <a:tr h="370840">
+                    <a:tc>
+                      <a:txBody>
+                        <a:bodyPr/>
+                        <a:lstStyle/>
+                        <a:p>
+                          <a:endParaRPr lang="ko-KR"/>
+                        </a:p>
+                      </a:txBody>
+                      <a:tcPr>
+                        <a:blipFill rotWithShape="1">
+                          <a:blip r:embed="rId3"/>
+                          <a:stretch>
+                            <a:fillRect t="-108197" r="-600549" b="-24590"/>
+                          </a:stretch>
+                        </a:blipFill>
+                      </a:tcPr>
+                    </a:tc>
+                    <a:tc>
+                      <a:txBody>
+                        <a:bodyPr/>
+                        <a:lstStyle/>
+                        <a:p>
+                          <a:pPr algn="ctr" latinLnBrk="1"/>
+                          <a:r>
+                            <a:rPr lang="en-US" altLang="ko-KR" dirty="0" smtClean="0"/>
+                            <a:t>1/2</a:t>
+                          </a:r>
+                          <a:endParaRPr lang="ko-KR" altLang="en-US" dirty="0"/>
+                        </a:p>
+                      </a:txBody>
+                      <a:tcPr/>
+                    </a:tc>
+                    <a:tc>
+                      <a:txBody>
+                        <a:bodyPr/>
+                        <a:lstStyle/>
+                        <a:p>
+                          <a:pPr algn="ctr" latinLnBrk="1"/>
+                          <a:r>
+                            <a:rPr lang="en-US" altLang="ko-KR" dirty="0" smtClean="0"/>
+                            <a:t>1/10</a:t>
+                          </a:r>
+                          <a:endParaRPr lang="ko-KR" altLang="en-US" dirty="0"/>
+                        </a:p>
+                      </a:txBody>
+                      <a:tcPr/>
+                    </a:tc>
+                    <a:tc>
+                      <a:txBody>
+                        <a:bodyPr/>
+                        <a:lstStyle/>
+                        <a:p>
+                          <a:pPr algn="ctr" latinLnBrk="1"/>
+                          <a:r>
+                            <a:rPr lang="en-US" altLang="ko-KR" dirty="0" smtClean="0"/>
+                            <a:t>1/10</a:t>
+                          </a:r>
+                          <a:endParaRPr lang="ko-KR" altLang="en-US" dirty="0"/>
+                        </a:p>
+                      </a:txBody>
+                      <a:tcPr/>
+                    </a:tc>
+                    <a:tc>
+                      <a:txBody>
+                        <a:bodyPr/>
+                        <a:lstStyle/>
+                        <a:p>
+                          <a:pPr algn="ctr" latinLnBrk="1"/>
+                          <a:r>
+                            <a:rPr lang="en-US" altLang="ko-KR" dirty="0" smtClean="0"/>
+                            <a:t>1/10</a:t>
+                          </a:r>
+                          <a:endParaRPr lang="ko-KR" altLang="en-US" dirty="0"/>
+                        </a:p>
+                      </a:txBody>
+                      <a:tcPr/>
+                    </a:tc>
+                    <a:tc>
+                      <a:txBody>
+                        <a:bodyPr/>
+                        <a:lstStyle/>
+                        <a:p>
+                          <a:pPr algn="ctr" latinLnBrk="1"/>
+                          <a:r>
+                            <a:rPr lang="en-US" altLang="ko-KR" dirty="0" smtClean="0"/>
+                            <a:t>1/10</a:t>
+                          </a:r>
+                          <a:endParaRPr lang="ko-KR" altLang="en-US" dirty="0"/>
+                        </a:p>
+                      </a:txBody>
+                      <a:tcPr/>
+                    </a:tc>
+                    <a:tc>
+                      <a:txBody>
+                        <a:bodyPr/>
+                        <a:lstStyle/>
+                        <a:p>
+                          <a:pPr algn="ctr" latinLnBrk="1"/>
+                          <a:r>
+                            <a:rPr lang="en-US" altLang="ko-KR" dirty="0" smtClean="0"/>
+                            <a:t>1/10</a:t>
+                          </a:r>
+                          <a:endParaRPr lang="ko-KR" altLang="en-US" dirty="0"/>
+                        </a:p>
+                      </a:txBody>
+                      <a:tcPr/>
+                    </a:tc>
+                  </a:tr>
+                </a:tbl>
+              </a:graphicData>
+            </a:graphic>
+          </p:graphicFrame>
+        </mc:Fallback>
+      </mc:AlternateContent>
+      <p:sp>
+        <p:nvSpPr>
+          <p:cNvPr id="2" name="TextBox 1"/>
+          <p:cNvSpPr txBox="1"/>
+          <p:nvPr/>
+        </p:nvSpPr>
+        <p:spPr>
+          <a:xfrm>
+            <a:off x="611560" y="980728"/>
+            <a:ext cx="1882247" cy="369332"/>
+          </a:xfrm>
+          <a:prstGeom prst="rect">
+            <a:avLst/>
+          </a:prstGeom>
+          <a:noFill/>
+        </p:spPr>
+        <p:txBody>
+          <a:bodyPr wrap="none" rtlCol="0">
+            <a:spAutoFit/>
+          </a:bodyPr>
+          <a:lstStyle/>
+          <a:p>
+            <a:r>
+              <a:rPr lang="ko-KR" altLang="en-US"/>
+              <a:t>정상적인 주사위</a:t>
+            </a:r>
+          </a:p>
+        </p:txBody>
+      </p:sp>
+      <p:sp>
+        <p:nvSpPr>
+          <p:cNvPr id="5" name="TextBox 4"/>
+          <p:cNvSpPr txBox="1"/>
+          <p:nvPr/>
+        </p:nvSpPr>
+        <p:spPr>
+          <a:xfrm>
+            <a:off x="604894" y="2276872"/>
+            <a:ext cx="2113079" cy="369332"/>
+          </a:xfrm>
+          <a:prstGeom prst="rect">
+            <a:avLst/>
+          </a:prstGeom>
+          <a:noFill/>
+        </p:spPr>
+        <p:txBody>
+          <a:bodyPr wrap="none" rtlCol="0">
+            <a:spAutoFit/>
+          </a:bodyPr>
+          <a:lstStyle/>
+          <a:p>
+            <a:r>
+              <a:rPr lang="ko-KR" altLang="en-US"/>
+              <a:t>비정상적인 주사위</a:t>
+            </a:r>
+          </a:p>
+        </p:txBody>
+      </p:sp>
+    </p:spTree>
+    <p:extLst>
+      <p:ext uri="{BB962C8B-B14F-4D97-AF65-F5344CB8AC3E}">
+        <p14:creationId xmlns:p14="http://schemas.microsoft.com/office/powerpoint/2010/main" val="3321306020"/>
+      </p:ext>
+    </p:extLst>
+  </p:cSld>
+  <p:clrMapOvr>
+    <a:masterClrMapping/>
+  </p:clrMapOvr>
+</p:sld>
+</file>
+
+<file path=ppt/slides/slide2.xml><?xml version="1.0" encoding="utf-8"?>
+<p:sld xmlns:a="http://schemas.openxmlformats.org/drawingml/2006/main" xmlns:r="http://schemas.openxmlformats.org/officeDocument/2006/relationships" xmlns:p="http://schemas.openxmlformats.org/presentationml/2006/main">
+  <p:cSld>
+    <p:spTree>
+      <p:nvGrpSpPr>
+        <p:cNvPr id="1" name=""/>
+        <p:cNvGrpSpPr/>
+        <p:nvPr/>
+      </p:nvGrpSpPr>
+      <p:grpSpPr>
+        <a:xfrm>
+          <a:off x="0" y="0"/>
+          <a:ext cx="0" cy="0"/>
+          <a:chOff x="0" y="0"/>
+          <a:chExt cx="0" cy="0"/>
+        </a:xfrm>
+      </p:grpSpPr>
+      <mc:AlternateContent xmlns:mc="http://schemas.openxmlformats.org/markup-compatibility/2006" xmlns:a14="http://schemas.microsoft.com/office/drawing/2010/main">
+        <mc:Choice Requires="a14">
+          <p:graphicFrame>
+            <p:nvGraphicFramePr>
+              <p:cNvPr id="4" name="표 3"/>
+              <p:cNvGraphicFramePr>
+                <a:graphicFrameLocks noGrp="1"/>
+              </p:cNvGraphicFramePr>
+              <p:nvPr/>
+            </p:nvGraphicFramePr>
+            <p:xfrm>
+              <a:off x="618226" y="1397000"/>
+              <a:ext cx="7770196" cy="741680"/>
+            </p:xfrm>
+            <a:graphic>
+              <a:graphicData uri="http://schemas.openxmlformats.org/drawingml/2006/table">
+                <a:tbl>
+                  <a:tblPr firstRow="1" bandRow="1">
+                    <a:tableStyleId>{073A0DAA-6AF3-43AB-8588-CEC1D06C72B9}</a:tableStyleId>
+                  </a:tblPr>
+                  <a:tblGrid>
+                    <a:gridCol w="1110028">
+                      <a:extLst>
+                        <a:ext uri="{9D8B030D-6E8A-4147-A177-3AD203B41FA5}">
+                          <a16:colId xmlns:a16="http://schemas.microsoft.com/office/drawing/2014/main" val="20000"/>
+                        </a:ext>
+                      </a:extLst>
+                    </a:gridCol>
+                    <a:gridCol w="1110028">
+                      <a:extLst>
+                        <a:ext uri="{9D8B030D-6E8A-4147-A177-3AD203B41FA5}">
+                          <a16:colId xmlns:a16="http://schemas.microsoft.com/office/drawing/2014/main" val="20001"/>
+                        </a:ext>
+                      </a:extLst>
+                    </a:gridCol>
+                    <a:gridCol w="1110028">
+                      <a:extLst>
+                        <a:ext uri="{9D8B030D-6E8A-4147-A177-3AD203B41FA5}">
+                          <a16:colId xmlns:a16="http://schemas.microsoft.com/office/drawing/2014/main" val="20002"/>
+                        </a:ext>
+                      </a:extLst>
+                    </a:gridCol>
+                    <a:gridCol w="1110028">
+                      <a:extLst>
+                        <a:ext uri="{9D8B030D-6E8A-4147-A177-3AD203B41FA5}">
+                          <a16:colId xmlns:a16="http://schemas.microsoft.com/office/drawing/2014/main" val="20003"/>
+                        </a:ext>
+                      </a:extLst>
+                    </a:gridCol>
+                    <a:gridCol w="1110028">
+                      <a:extLst>
+                        <a:ext uri="{9D8B030D-6E8A-4147-A177-3AD203B41FA5}">
+                          <a16:colId xmlns:a16="http://schemas.microsoft.com/office/drawing/2014/main" val="20004"/>
+                        </a:ext>
+                      </a:extLst>
+                    </a:gridCol>
+                    <a:gridCol w="1110028">
+                      <a:extLst>
+                        <a:ext uri="{9D8B030D-6E8A-4147-A177-3AD203B41FA5}">
+                          <a16:colId xmlns:a16="http://schemas.microsoft.com/office/drawing/2014/main" val="20005"/>
+                        </a:ext>
+                      </a:extLst>
+                    </a:gridCol>
+                    <a:gridCol w="1110028">
+                      <a:extLst>
+                        <a:ext uri="{9D8B030D-6E8A-4147-A177-3AD203B41FA5}">
+                          <a16:colId xmlns:a16="http://schemas.microsoft.com/office/drawing/2014/main" val="20006"/>
+                        </a:ext>
+                      </a:extLst>
+                    </a:gridCol>
+                  </a:tblGrid>
+                  <a:tr h="370840">
+                    <a:tc>
+                      <a:txBody>
+                        <a:bodyPr/>
+                        <a:lstStyle/>
+                        <a:p>
                           <a:pPr latinLnBrk="1"/>
                           <a14:m>
                             <m:oMathPara xmlns:m="http://schemas.openxmlformats.org/officeDocument/2006/math">
@@ -3651,7 +4442,9 @@
                               </m:oMathParaPr>
                               <m:oMath xmlns:m="http://schemas.openxmlformats.org/officeDocument/2006/math">
                                 <m:r>
-                                  <a:rPr lang="en-US" altLang="ko-KR" smtClean="0"/>
+                                  <a:rPr lang="en-US" altLang="ko-KR" smtClean="0">
+                                    <a:latin typeface="Cambria Math"/>
+                                  </a:rPr>
                                   <m:t>𝑿</m:t>
                                 </m:r>
                               </m:oMath>
@@ -3669,7 +4462,7 @@
                         <a:p>
                           <a:pPr algn="ctr" latinLnBrk="1"/>
                           <a:r>
-                            <a:rPr lang="en-US" altLang="ko-KR" dirty="0" smtClean="0"/>
+                            <a:rPr lang="en-US" altLang="ko-KR" dirty="0"/>
                             <a:t>1</a:t>
                           </a:r>
                           <a:endParaRPr lang="ko-KR" altLang="en-US" dirty="0"/>
@@ -3684,7 +4477,7 @@
                         <a:p>
                           <a:pPr algn="ctr" latinLnBrk="1"/>
                           <a:r>
-                            <a:rPr lang="en-US" altLang="ko-KR" dirty="0" smtClean="0"/>
+                            <a:rPr lang="en-US" altLang="ko-KR" dirty="0"/>
                             <a:t>2</a:t>
                           </a:r>
                           <a:endParaRPr lang="ko-KR" altLang="en-US" dirty="0"/>
@@ -3699,7 +4492,7 @@
                         <a:p>
                           <a:pPr algn="ctr" latinLnBrk="1"/>
                           <a:r>
-                            <a:rPr lang="en-US" altLang="ko-KR" dirty="0" smtClean="0"/>
+                            <a:rPr lang="en-US" altLang="ko-KR" dirty="0"/>
                             <a:t>3</a:t>
                           </a:r>
                           <a:endParaRPr lang="ko-KR" altLang="en-US" dirty="0"/>
@@ -3714,7 +4507,7 @@
                         <a:p>
                           <a:pPr algn="ctr" latinLnBrk="1"/>
                           <a:r>
-                            <a:rPr lang="en-US" altLang="ko-KR" dirty="0" smtClean="0"/>
+                            <a:rPr lang="en-US" altLang="ko-KR" dirty="0"/>
                             <a:t>4</a:t>
                           </a:r>
                           <a:endParaRPr lang="ko-KR" altLang="en-US" dirty="0"/>
@@ -3729,7 +4522,7 @@
                         <a:p>
                           <a:pPr algn="ctr" latinLnBrk="1"/>
                           <a:r>
-                            <a:rPr lang="en-US" altLang="ko-KR" dirty="0" smtClean="0"/>
+                            <a:rPr lang="en-US" altLang="ko-KR" dirty="0"/>
                             <a:t>5</a:t>
                           </a:r>
                           <a:endParaRPr lang="ko-KR" altLang="en-US" dirty="0"/>
@@ -3744,7 +4537,7 @@
                         <a:p>
                           <a:pPr algn="ctr" latinLnBrk="1"/>
                           <a:r>
-                            <a:rPr lang="en-US" altLang="ko-KR" dirty="0" smtClean="0"/>
+                            <a:rPr lang="en-US" altLang="ko-KR" dirty="0"/>
                             <a:t>6</a:t>
                           </a:r>
                           <a:endParaRPr lang="ko-KR" altLang="en-US" dirty="0"/>
@@ -3752,6 +4545,11 @@
                       </a:txBody>
                       <a:tcPr/>
                     </a:tc>
+                    <a:extLst>
+                      <a:ext uri="{0D108BD9-81ED-4DB2-BD59-A6C34878D82A}">
+                        <a16:rowId xmlns:a16="http://schemas.microsoft.com/office/drawing/2014/main" val="10000"/>
+                      </a:ext>
+                    </a:extLst>
                   </a:tr>
                   <a:tr h="370840">
                     <a:tc>
@@ -3770,27 +4568,39 @@
                                   <m:rPr>
                                     <m:sty m:val="p"/>
                                   </m:rPr>
-                                  <a:rPr lang="en-US" altLang="ko-KR" dirty="0" smtClean="0"/>
-                                  <m:t>Q</m:t>
+                                  <a:rPr lang="en-US" altLang="ko-KR" b="0" i="0" dirty="0" smtClean="0">
+                                    <a:latin typeface="Cambria Math"/>
+                                  </a:rPr>
+                                  <m:t>P</m:t>
                                 </m:r>
                                 <m:r>
-                                  <a:rPr lang="en-US" altLang="ko-KR" dirty="0" smtClean="0"/>
+                                  <a:rPr lang="en-US" altLang="ko-KR" dirty="0" smtClean="0">
+                                    <a:latin typeface="Cambria Math"/>
+                                  </a:rPr>
                                   <m:t>(</m:t>
                                 </m:r>
                                 <m:r>
-                                  <a:rPr lang="en-US" altLang="ko-KR" dirty="0" smtClean="0"/>
+                                  <a:rPr lang="en-US" altLang="ko-KR" dirty="0" smtClean="0">
+                                    <a:latin typeface="Cambria Math"/>
+                                  </a:rPr>
                                   <m:t>𝑥</m:t>
                                 </m:r>
                                 <m:r>
-                                  <a:rPr lang="en-US" altLang="ko-KR" dirty="0" smtClean="0"/>
+                                  <a:rPr lang="en-US" altLang="ko-KR" dirty="0" smtClean="0">
+                                    <a:latin typeface="Cambria Math"/>
+                                  </a:rPr>
                                   <m:t>=</m:t>
                                 </m:r>
                                 <m:r>
-                                  <a:rPr lang="en-US" altLang="ko-KR" dirty="0" smtClean="0"/>
+                                  <a:rPr lang="en-US" altLang="ko-KR" dirty="0" smtClean="0">
+                                    <a:latin typeface="Cambria Math"/>
+                                  </a:rPr>
                                   <m:t>𝑋</m:t>
                                 </m:r>
                                 <m:r>
-                                  <a:rPr lang="en-US" altLang="ko-KR" dirty="0" smtClean="0"/>
+                                  <a:rPr lang="en-US" altLang="ko-KR" dirty="0" smtClean="0">
+                                    <a:latin typeface="Cambria Math"/>
+                                  </a:rPr>
                                   <m:t>)</m:t>
                                 </m:r>
                               </m:oMath>
@@ -3808,96 +4618,714 @@
                         <a:p>
                           <a:pPr algn="ctr" latinLnBrk="1"/>
                           <a:r>
-                            <a:rPr lang="en-US" altLang="ko-KR" dirty="0" smtClean="0"/>
-                            <a:t>1/2</a:t>
-                          </a:r>
-                          <a:endParaRPr lang="ko-KR" altLang="en-US" dirty="0"/>
-                        </a:p>
-                      </a:txBody>
-                      <a:tcPr/>
-                    </a:tc>
-                    <a:tc>
-                      <a:txBody>
-                        <a:bodyPr/>
-                        <a:lstStyle/>
-                        <a:p>
-                          <a:pPr algn="ctr" latinLnBrk="1"/>
-                          <a:r>
-                            <a:rPr lang="en-US" altLang="ko-KR" dirty="0" smtClean="0"/>
-                            <a:t>1/10</a:t>
-                          </a:r>
-                          <a:endParaRPr lang="ko-KR" altLang="en-US" dirty="0"/>
-                        </a:p>
-                      </a:txBody>
-                      <a:tcPr/>
-                    </a:tc>
-                    <a:tc>
-                      <a:txBody>
-                        <a:bodyPr/>
-                        <a:lstStyle/>
-                        <a:p>
-                          <a:pPr algn="ctr" latinLnBrk="1"/>
-                          <a:r>
-                            <a:rPr lang="en-US" altLang="ko-KR" dirty="0" smtClean="0"/>
-                            <a:t>1/10</a:t>
-                          </a:r>
-                          <a:endParaRPr lang="ko-KR" altLang="en-US" dirty="0"/>
-                        </a:p>
-                      </a:txBody>
-                      <a:tcPr/>
-                    </a:tc>
-                    <a:tc>
-                      <a:txBody>
-                        <a:bodyPr/>
-                        <a:lstStyle/>
-                        <a:p>
-                          <a:pPr algn="ctr" latinLnBrk="1"/>
-                          <a:r>
-                            <a:rPr lang="en-US" altLang="ko-KR" dirty="0" smtClean="0"/>
-                            <a:t>1/10</a:t>
-                          </a:r>
-                          <a:endParaRPr lang="ko-KR" altLang="en-US" dirty="0"/>
-                        </a:p>
-                      </a:txBody>
-                      <a:tcPr/>
-                    </a:tc>
-                    <a:tc>
-                      <a:txBody>
-                        <a:bodyPr/>
-                        <a:lstStyle/>
-                        <a:p>
-                          <a:pPr algn="ctr" latinLnBrk="1"/>
-                          <a:r>
-                            <a:rPr lang="en-US" altLang="ko-KR" dirty="0" smtClean="0"/>
-                            <a:t>1/10</a:t>
-                          </a:r>
-                          <a:endParaRPr lang="ko-KR" altLang="en-US" dirty="0"/>
-                        </a:p>
-                      </a:txBody>
-                      <a:tcPr/>
-                    </a:tc>
-                    <a:tc>
-                      <a:txBody>
-                        <a:bodyPr/>
-                        <a:lstStyle/>
-                        <a:p>
-                          <a:pPr algn="ctr" latinLnBrk="1"/>
-                          <a:r>
-                            <a:rPr lang="en-US" altLang="ko-KR" dirty="0" smtClean="0"/>
-                            <a:t>1/10</a:t>
-                          </a:r>
-                          <a:endParaRPr lang="ko-KR" altLang="en-US" dirty="0"/>
-                        </a:p>
-                      </a:txBody>
-                      <a:tcPr/>
-                    </a:tc>
+                            <a:rPr lang="en-US" altLang="ko-KR" dirty="0"/>
+                            <a:t>1/6</a:t>
+                          </a:r>
+                          <a:endParaRPr lang="ko-KR" altLang="en-US" dirty="0"/>
+                        </a:p>
+                      </a:txBody>
+                      <a:tcPr/>
+                    </a:tc>
+                    <a:tc>
+                      <a:txBody>
+                        <a:bodyPr/>
+                        <a:lstStyle/>
+                        <a:p>
+                          <a:pPr algn="ctr" latinLnBrk="1"/>
+                          <a:r>
+                            <a:rPr lang="en-US" altLang="ko-KR"/>
+                            <a:t>1/6</a:t>
+                          </a:r>
+                          <a:endParaRPr lang="ko-KR" altLang="en-US" dirty="0"/>
+                        </a:p>
+                      </a:txBody>
+                      <a:tcPr/>
+                    </a:tc>
+                    <a:tc>
+                      <a:txBody>
+                        <a:bodyPr/>
+                        <a:lstStyle/>
+                        <a:p>
+                          <a:pPr algn="ctr" latinLnBrk="1"/>
+                          <a:r>
+                            <a:rPr lang="en-US" altLang="ko-KR"/>
+                            <a:t>1/6</a:t>
+                          </a:r>
+                          <a:endParaRPr lang="ko-KR" altLang="en-US" dirty="0"/>
+                        </a:p>
+                      </a:txBody>
+                      <a:tcPr/>
+                    </a:tc>
+                    <a:tc>
+                      <a:txBody>
+                        <a:bodyPr/>
+                        <a:lstStyle/>
+                        <a:p>
+                          <a:pPr algn="ctr" latinLnBrk="1"/>
+                          <a:r>
+                            <a:rPr lang="en-US" altLang="ko-KR"/>
+                            <a:t>1/6</a:t>
+                          </a:r>
+                          <a:endParaRPr lang="ko-KR" altLang="en-US" dirty="0"/>
+                        </a:p>
+                      </a:txBody>
+                      <a:tcPr/>
+                    </a:tc>
+                    <a:tc>
+                      <a:txBody>
+                        <a:bodyPr/>
+                        <a:lstStyle/>
+                        <a:p>
+                          <a:pPr algn="ctr" latinLnBrk="1"/>
+                          <a:r>
+                            <a:rPr lang="en-US" altLang="ko-KR"/>
+                            <a:t>1/6</a:t>
+                          </a:r>
+                          <a:endParaRPr lang="ko-KR" altLang="en-US" dirty="0"/>
+                        </a:p>
+                      </a:txBody>
+                      <a:tcPr/>
+                    </a:tc>
+                    <a:tc>
+                      <a:txBody>
+                        <a:bodyPr/>
+                        <a:lstStyle/>
+                        <a:p>
+                          <a:pPr algn="ctr" latinLnBrk="1"/>
+                          <a:r>
+                            <a:rPr lang="en-US" altLang="ko-KR" dirty="0"/>
+                            <a:t>1/6</a:t>
+                          </a:r>
+                          <a:endParaRPr lang="ko-KR" altLang="en-US" dirty="0"/>
+                        </a:p>
+                      </a:txBody>
+                      <a:tcPr/>
+                    </a:tc>
+                    <a:extLst>
+                      <a:ext uri="{0D108BD9-81ED-4DB2-BD59-A6C34878D82A}">
+                        <a16:rowId xmlns:a16="http://schemas.microsoft.com/office/drawing/2014/main" val="10001"/>
+                      </a:ext>
+                    </a:extLst>
                   </a:tr>
                 </a:tbl>
               </a:graphicData>
             </a:graphic>
           </p:graphicFrame>
         </mc:Choice>
-        <mc:Fallback>
+        <mc:Fallback xmlns="">
+          <p:graphicFrame>
+            <p:nvGraphicFramePr>
+              <p:cNvPr id="4" name="표 3"/>
+              <p:cNvGraphicFramePr>
+                <a:graphicFrameLocks noGrp="1"/>
+              </p:cNvGraphicFramePr>
+              <p:nvPr>
+                <p:extLst>
+                  <p:ext uri="{D42A27DB-BD31-4B8C-83A1-F6EECF244321}">
+                    <p14:modId xmlns:p14="http://schemas.microsoft.com/office/powerpoint/2010/main" val="780343380"/>
+                  </p:ext>
+                </p:extLst>
+              </p:nvPr>
+            </p:nvGraphicFramePr>
+            <p:xfrm>
+              <a:off x="618226" y="1397000"/>
+              <a:ext cx="7770196" cy="741680"/>
+            </p:xfrm>
+            <a:graphic>
+              <a:graphicData uri="http://schemas.openxmlformats.org/drawingml/2006/table">
+                <a:tbl>
+                  <a:tblPr firstRow="1" bandRow="1">
+                    <a:tableStyleId>{073A0DAA-6AF3-43AB-8588-CEC1D06C72B9}</a:tableStyleId>
+                  </a:tblPr>
+                  <a:tblGrid>
+                    <a:gridCol w="1110028"/>
+                    <a:gridCol w="1110028"/>
+                    <a:gridCol w="1110028"/>
+                    <a:gridCol w="1110028"/>
+                    <a:gridCol w="1110028"/>
+                    <a:gridCol w="1110028"/>
+                    <a:gridCol w="1110028"/>
+                  </a:tblGrid>
+                  <a:tr h="370840">
+                    <a:tc>
+                      <a:txBody>
+                        <a:bodyPr/>
+                        <a:lstStyle/>
+                        <a:p>
+                          <a:endParaRPr lang="ko-KR"/>
+                        </a:p>
+                      </a:txBody>
+                      <a:tcPr>
+                        <a:blipFill rotWithShape="1">
+                          <a:blip r:embed="rId2"/>
+                          <a:stretch>
+                            <a:fillRect t="-8197" r="-601099" b="-124590"/>
+                          </a:stretch>
+                        </a:blipFill>
+                      </a:tcPr>
+                    </a:tc>
+                    <a:tc>
+                      <a:txBody>
+                        <a:bodyPr/>
+                        <a:lstStyle/>
+                        <a:p>
+                          <a:pPr algn="ctr" latinLnBrk="1"/>
+                          <a:r>
+                            <a:rPr lang="en-US" altLang="ko-KR" dirty="0" smtClean="0"/>
+                            <a:t>1</a:t>
+                          </a:r>
+                          <a:endParaRPr lang="ko-KR" altLang="en-US" dirty="0"/>
+                        </a:p>
+                      </a:txBody>
+                      <a:tcPr/>
+                    </a:tc>
+                    <a:tc>
+                      <a:txBody>
+                        <a:bodyPr/>
+                        <a:lstStyle/>
+                        <a:p>
+                          <a:pPr algn="ctr" latinLnBrk="1"/>
+                          <a:r>
+                            <a:rPr lang="en-US" altLang="ko-KR" dirty="0" smtClean="0"/>
+                            <a:t>2</a:t>
+                          </a:r>
+                          <a:endParaRPr lang="ko-KR" altLang="en-US" dirty="0"/>
+                        </a:p>
+                      </a:txBody>
+                      <a:tcPr/>
+                    </a:tc>
+                    <a:tc>
+                      <a:txBody>
+                        <a:bodyPr/>
+                        <a:lstStyle/>
+                        <a:p>
+                          <a:pPr algn="ctr" latinLnBrk="1"/>
+                          <a:r>
+                            <a:rPr lang="en-US" altLang="ko-KR" dirty="0" smtClean="0"/>
+                            <a:t>3</a:t>
+                          </a:r>
+                          <a:endParaRPr lang="ko-KR" altLang="en-US" dirty="0"/>
+                        </a:p>
+                      </a:txBody>
+                      <a:tcPr/>
+                    </a:tc>
+                    <a:tc>
+                      <a:txBody>
+                        <a:bodyPr/>
+                        <a:lstStyle/>
+                        <a:p>
+                          <a:pPr algn="ctr" latinLnBrk="1"/>
+                          <a:r>
+                            <a:rPr lang="en-US" altLang="ko-KR" dirty="0" smtClean="0"/>
+                            <a:t>4</a:t>
+                          </a:r>
+                          <a:endParaRPr lang="ko-KR" altLang="en-US" dirty="0"/>
+                        </a:p>
+                      </a:txBody>
+                      <a:tcPr/>
+                    </a:tc>
+                    <a:tc>
+                      <a:txBody>
+                        <a:bodyPr/>
+                        <a:lstStyle/>
+                        <a:p>
+                          <a:pPr algn="ctr" latinLnBrk="1"/>
+                          <a:r>
+                            <a:rPr lang="en-US" altLang="ko-KR" dirty="0" smtClean="0"/>
+                            <a:t>5</a:t>
+                          </a:r>
+                          <a:endParaRPr lang="ko-KR" altLang="en-US" dirty="0"/>
+                        </a:p>
+                      </a:txBody>
+                      <a:tcPr/>
+                    </a:tc>
+                    <a:tc>
+                      <a:txBody>
+                        <a:bodyPr/>
+                        <a:lstStyle/>
+                        <a:p>
+                          <a:pPr algn="ctr" latinLnBrk="1"/>
+                          <a:r>
+                            <a:rPr lang="en-US" altLang="ko-KR" dirty="0" smtClean="0"/>
+                            <a:t>6</a:t>
+                          </a:r>
+                          <a:endParaRPr lang="ko-KR" altLang="en-US" dirty="0"/>
+                        </a:p>
+                      </a:txBody>
+                      <a:tcPr/>
+                    </a:tc>
+                  </a:tr>
+                  <a:tr h="370840">
+                    <a:tc>
+                      <a:txBody>
+                        <a:bodyPr/>
+                        <a:lstStyle/>
+                        <a:p>
+                          <a:endParaRPr lang="ko-KR"/>
+                        </a:p>
+                      </a:txBody>
+                      <a:tcPr>
+                        <a:blipFill rotWithShape="1">
+                          <a:blip r:embed="rId2"/>
+                          <a:stretch>
+                            <a:fillRect t="-108197" r="-601099" b="-24590"/>
+                          </a:stretch>
+                        </a:blipFill>
+                      </a:tcPr>
+                    </a:tc>
+                    <a:tc>
+                      <a:txBody>
+                        <a:bodyPr/>
+                        <a:lstStyle/>
+                        <a:p>
+                          <a:pPr algn="ctr" latinLnBrk="1"/>
+                          <a:r>
+                            <a:rPr lang="en-US" altLang="ko-KR" dirty="0" smtClean="0"/>
+                            <a:t>1/6</a:t>
+                          </a:r>
+                          <a:endParaRPr lang="ko-KR" altLang="en-US" dirty="0"/>
+                        </a:p>
+                      </a:txBody>
+                      <a:tcPr/>
+                    </a:tc>
+                    <a:tc>
+                      <a:txBody>
+                        <a:bodyPr/>
+                        <a:lstStyle/>
+                        <a:p>
+                          <a:pPr algn="ctr" latinLnBrk="1"/>
+                          <a:r>
+                            <a:rPr lang="en-US" altLang="ko-KR" smtClean="0"/>
+                            <a:t>1/6</a:t>
+                          </a:r>
+                          <a:endParaRPr lang="ko-KR" altLang="en-US" dirty="0"/>
+                        </a:p>
+                      </a:txBody>
+                      <a:tcPr/>
+                    </a:tc>
+                    <a:tc>
+                      <a:txBody>
+                        <a:bodyPr/>
+                        <a:lstStyle/>
+                        <a:p>
+                          <a:pPr algn="ctr" latinLnBrk="1"/>
+                          <a:r>
+                            <a:rPr lang="en-US" altLang="ko-KR" smtClean="0"/>
+                            <a:t>1/6</a:t>
+                          </a:r>
+                          <a:endParaRPr lang="ko-KR" altLang="en-US" dirty="0"/>
+                        </a:p>
+                      </a:txBody>
+                      <a:tcPr/>
+                    </a:tc>
+                    <a:tc>
+                      <a:txBody>
+                        <a:bodyPr/>
+                        <a:lstStyle/>
+                        <a:p>
+                          <a:pPr algn="ctr" latinLnBrk="1"/>
+                          <a:r>
+                            <a:rPr lang="en-US" altLang="ko-KR" smtClean="0"/>
+                            <a:t>1/6</a:t>
+                          </a:r>
+                          <a:endParaRPr lang="ko-KR" altLang="en-US" dirty="0"/>
+                        </a:p>
+                      </a:txBody>
+                      <a:tcPr/>
+                    </a:tc>
+                    <a:tc>
+                      <a:txBody>
+                        <a:bodyPr/>
+                        <a:lstStyle/>
+                        <a:p>
+                          <a:pPr algn="ctr" latinLnBrk="1"/>
+                          <a:r>
+                            <a:rPr lang="en-US" altLang="ko-KR" smtClean="0"/>
+                            <a:t>1/6</a:t>
+                          </a:r>
+                          <a:endParaRPr lang="ko-KR" altLang="en-US" dirty="0"/>
+                        </a:p>
+                      </a:txBody>
+                      <a:tcPr/>
+                    </a:tc>
+                    <a:tc>
+                      <a:txBody>
+                        <a:bodyPr/>
+                        <a:lstStyle/>
+                        <a:p>
+                          <a:pPr algn="ctr" latinLnBrk="1"/>
+                          <a:r>
+                            <a:rPr lang="en-US" altLang="ko-KR" dirty="0" smtClean="0"/>
+                            <a:t>1/6</a:t>
+                          </a:r>
+                          <a:endParaRPr lang="ko-KR" altLang="en-US" dirty="0"/>
+                        </a:p>
+                      </a:txBody>
+                      <a:tcPr/>
+                    </a:tc>
+                  </a:tr>
+                </a:tbl>
+              </a:graphicData>
+            </a:graphic>
+          </p:graphicFrame>
+        </mc:Fallback>
+      </mc:AlternateContent>
+      <mc:AlternateContent xmlns:mc="http://schemas.openxmlformats.org/markup-compatibility/2006" xmlns:a14="http://schemas.microsoft.com/office/drawing/2010/main">
+        <mc:Choice Requires="a14">
+          <p:graphicFrame>
+            <p:nvGraphicFramePr>
+              <p:cNvPr id="3" name="표 2"/>
+              <p:cNvGraphicFramePr>
+                <a:graphicFrameLocks noGrp="1"/>
+              </p:cNvGraphicFramePr>
+              <p:nvPr/>
+            </p:nvGraphicFramePr>
+            <p:xfrm>
+              <a:off x="611560" y="2708920"/>
+              <a:ext cx="7770196" cy="741680"/>
+            </p:xfrm>
+            <a:graphic>
+              <a:graphicData uri="http://schemas.openxmlformats.org/drawingml/2006/table">
+                <a:tbl>
+                  <a:tblPr firstRow="1" bandRow="1">
+                    <a:tableStyleId>{21E4AEA4-8DFA-4A89-87EB-49C32662AFE0}</a:tableStyleId>
+                  </a:tblPr>
+                  <a:tblGrid>
+                    <a:gridCol w="1110028">
+                      <a:extLst>
+                        <a:ext uri="{9D8B030D-6E8A-4147-A177-3AD203B41FA5}">
+                          <a16:colId xmlns:a16="http://schemas.microsoft.com/office/drawing/2014/main" val="20000"/>
+                        </a:ext>
+                      </a:extLst>
+                    </a:gridCol>
+                    <a:gridCol w="1110028">
+                      <a:extLst>
+                        <a:ext uri="{9D8B030D-6E8A-4147-A177-3AD203B41FA5}">
+                          <a16:colId xmlns:a16="http://schemas.microsoft.com/office/drawing/2014/main" val="20001"/>
+                        </a:ext>
+                      </a:extLst>
+                    </a:gridCol>
+                    <a:gridCol w="1110028">
+                      <a:extLst>
+                        <a:ext uri="{9D8B030D-6E8A-4147-A177-3AD203B41FA5}">
+                          <a16:colId xmlns:a16="http://schemas.microsoft.com/office/drawing/2014/main" val="20002"/>
+                        </a:ext>
+                      </a:extLst>
+                    </a:gridCol>
+                    <a:gridCol w="1110028">
+                      <a:extLst>
+                        <a:ext uri="{9D8B030D-6E8A-4147-A177-3AD203B41FA5}">
+                          <a16:colId xmlns:a16="http://schemas.microsoft.com/office/drawing/2014/main" val="20003"/>
+                        </a:ext>
+                      </a:extLst>
+                    </a:gridCol>
+                    <a:gridCol w="1110028">
+                      <a:extLst>
+                        <a:ext uri="{9D8B030D-6E8A-4147-A177-3AD203B41FA5}">
+                          <a16:colId xmlns:a16="http://schemas.microsoft.com/office/drawing/2014/main" val="20004"/>
+                        </a:ext>
+                      </a:extLst>
+                    </a:gridCol>
+                    <a:gridCol w="1110028">
+                      <a:extLst>
+                        <a:ext uri="{9D8B030D-6E8A-4147-A177-3AD203B41FA5}">
+                          <a16:colId xmlns:a16="http://schemas.microsoft.com/office/drawing/2014/main" val="20005"/>
+                        </a:ext>
+                      </a:extLst>
+                    </a:gridCol>
+                    <a:gridCol w="1110028">
+                      <a:extLst>
+                        <a:ext uri="{9D8B030D-6E8A-4147-A177-3AD203B41FA5}">
+                          <a16:colId xmlns:a16="http://schemas.microsoft.com/office/drawing/2014/main" val="20006"/>
+                        </a:ext>
+                      </a:extLst>
+                    </a:gridCol>
+                  </a:tblGrid>
+                  <a:tr h="370840">
+                    <a:tc>
+                      <a:txBody>
+                        <a:bodyPr/>
+                        <a:lstStyle/>
+                        <a:p>
+                          <a:pPr latinLnBrk="1"/>
+                          <a14:m>
+                            <m:oMathPara xmlns:m="http://schemas.openxmlformats.org/officeDocument/2006/math">
+                              <m:oMathParaPr>
+                                <m:jc m:val="centerGroup"/>
+                              </m:oMathParaPr>
+                              <m:oMath xmlns:m="http://schemas.openxmlformats.org/officeDocument/2006/math">
+                                <m:r>
+                                  <a:rPr lang="en-US" altLang="ko-KR" smtClean="0">
+                                    <a:latin typeface="Cambria Math" panose="02040503050406030204" pitchFamily="18" charset="0"/>
+                                  </a:rPr>
+                                  <m:t>𝑿</m:t>
+                                </m:r>
+                              </m:oMath>
+                            </m:oMathPara>
+                          </a14:m>
+                          <a:endParaRPr lang="ko-KR" altLang="en-US" dirty="0"/>
+                        </a:p>
+                      </a:txBody>
+                      <a:tcPr/>
+                    </a:tc>
+                    <a:tc>
+                      <a:txBody>
+                        <a:bodyPr/>
+                        <a:lstStyle/>
+                        <a:p>
+                          <a:pPr algn="ctr" latinLnBrk="1"/>
+                          <a:r>
+                            <a:rPr lang="en-US" altLang="ko-KR" dirty="0"/>
+                            <a:t>1</a:t>
+                          </a:r>
+                          <a:endParaRPr lang="ko-KR" altLang="en-US" dirty="0"/>
+                        </a:p>
+                      </a:txBody>
+                      <a:tcPr/>
+                    </a:tc>
+                    <a:tc>
+                      <a:txBody>
+                        <a:bodyPr/>
+                        <a:lstStyle/>
+                        <a:p>
+                          <a:pPr algn="ctr" latinLnBrk="1"/>
+                          <a:r>
+                            <a:rPr lang="en-US" altLang="ko-KR" dirty="0"/>
+                            <a:t>2</a:t>
+                          </a:r>
+                          <a:endParaRPr lang="ko-KR" altLang="en-US" dirty="0"/>
+                        </a:p>
+                      </a:txBody>
+                      <a:tcPr/>
+                    </a:tc>
+                    <a:tc>
+                      <a:txBody>
+                        <a:bodyPr/>
+                        <a:lstStyle/>
+                        <a:p>
+                          <a:pPr algn="ctr" latinLnBrk="1"/>
+                          <a:r>
+                            <a:rPr lang="en-US" altLang="ko-KR" dirty="0"/>
+                            <a:t>3</a:t>
+                          </a:r>
+                          <a:endParaRPr lang="ko-KR" altLang="en-US" dirty="0"/>
+                        </a:p>
+                      </a:txBody>
+                      <a:tcPr/>
+                    </a:tc>
+                    <a:tc>
+                      <a:txBody>
+                        <a:bodyPr/>
+                        <a:lstStyle/>
+                        <a:p>
+                          <a:pPr algn="ctr" latinLnBrk="1"/>
+                          <a:r>
+                            <a:rPr lang="en-US" altLang="ko-KR" dirty="0"/>
+                            <a:t>4</a:t>
+                          </a:r>
+                          <a:endParaRPr lang="ko-KR" altLang="en-US" dirty="0"/>
+                        </a:p>
+                      </a:txBody>
+                      <a:tcPr/>
+                    </a:tc>
+                    <a:tc>
+                      <a:txBody>
+                        <a:bodyPr/>
+                        <a:lstStyle/>
+                        <a:p>
+                          <a:pPr algn="ctr" latinLnBrk="1"/>
+                          <a:r>
+                            <a:rPr lang="en-US" altLang="ko-KR" dirty="0"/>
+                            <a:t>5</a:t>
+                          </a:r>
+                          <a:endParaRPr lang="ko-KR" altLang="en-US" dirty="0"/>
+                        </a:p>
+                      </a:txBody>
+                      <a:tcPr/>
+                    </a:tc>
+                    <a:tc>
+                      <a:txBody>
+                        <a:bodyPr/>
+                        <a:lstStyle/>
+                        <a:p>
+                          <a:pPr algn="ctr" latinLnBrk="1"/>
+                          <a:r>
+                            <a:rPr lang="en-US" altLang="ko-KR" dirty="0"/>
+                            <a:t>6</a:t>
+                          </a:r>
+                          <a:endParaRPr lang="ko-KR" altLang="en-US" dirty="0"/>
+                        </a:p>
+                      </a:txBody>
+                      <a:tcPr/>
+                    </a:tc>
+                    <a:extLst>
+                      <a:ext uri="{0D108BD9-81ED-4DB2-BD59-A6C34878D82A}">
+                        <a16:rowId xmlns:a16="http://schemas.microsoft.com/office/drawing/2014/main" val="10000"/>
+                      </a:ext>
+                    </a:extLst>
+                  </a:tr>
+                  <a:tr h="370840">
+                    <a:tc>
+                      <a:txBody>
+                        <a:bodyPr/>
+                        <a:lstStyle/>
+                        <a:p>
+                          <a:pPr latinLnBrk="1"/>
+                          <a14:m>
+                            <m:oMathPara xmlns:m="http://schemas.openxmlformats.org/officeDocument/2006/math">
+                              <m:oMathParaPr>
+                                <m:jc m:val="centerGroup"/>
+                              </m:oMathParaPr>
+                              <m:oMath xmlns:m="http://schemas.openxmlformats.org/officeDocument/2006/math">
+                                <m:r>
+                                  <m:rPr>
+                                    <m:sty m:val="p"/>
+                                  </m:rPr>
+                                  <a:rPr lang="en-US" altLang="ko-KR" dirty="0" smtClean="0">
+                                    <a:latin typeface="Cambria Math" panose="02040503050406030204" pitchFamily="18" charset="0"/>
+                                  </a:rPr>
+                                  <m:t>Q</m:t>
+                                </m:r>
+                                <m:r>
+                                  <a:rPr lang="en-US" altLang="ko-KR" dirty="0" smtClean="0">
+                                    <a:latin typeface="Cambria Math" panose="02040503050406030204" pitchFamily="18" charset="0"/>
+                                  </a:rPr>
+                                  <m:t>(</m:t>
+                                </m:r>
+                                <m:r>
+                                  <a:rPr lang="en-US" altLang="ko-KR" dirty="0" smtClean="0">
+                                    <a:latin typeface="Cambria Math" panose="02040503050406030204" pitchFamily="18" charset="0"/>
+                                  </a:rPr>
+                                  <m:t>𝑥</m:t>
+                                </m:r>
+                                <m:r>
+                                  <a:rPr lang="en-US" altLang="ko-KR" dirty="0" smtClean="0">
+                                    <a:latin typeface="Cambria Math" panose="02040503050406030204" pitchFamily="18" charset="0"/>
+                                  </a:rPr>
+                                  <m:t>=</m:t>
+                                </m:r>
+                                <m:r>
+                                  <a:rPr lang="en-US" altLang="ko-KR" dirty="0" smtClean="0">
+                                    <a:latin typeface="Cambria Math" panose="02040503050406030204" pitchFamily="18" charset="0"/>
+                                  </a:rPr>
+                                  <m:t>𝑋</m:t>
+                                </m:r>
+                                <m:r>
+                                  <a:rPr lang="en-US" altLang="ko-KR" dirty="0" smtClean="0">
+                                    <a:latin typeface="Cambria Math" panose="02040503050406030204" pitchFamily="18" charset="0"/>
+                                  </a:rPr>
+                                  <m:t>)</m:t>
+                                </m:r>
+                              </m:oMath>
+                            </m:oMathPara>
+                          </a14:m>
+                          <a:endParaRPr lang="ko-KR" altLang="en-US" dirty="0"/>
+                        </a:p>
+                      </a:txBody>
+                      <a:tcPr/>
+                    </a:tc>
+                    <a:tc>
+                      <a:txBody>
+                        <a:bodyPr/>
+                        <a:lstStyle/>
+                        <a:p>
+                          <a:pPr algn="ctr" latinLnBrk="1"/>
+                          <a:r>
+                            <a:rPr lang="en-US" altLang="ko-KR" dirty="0"/>
+                            <a:t>1/2</a:t>
+                          </a:r>
+                          <a:endParaRPr lang="ko-KR" altLang="en-US" dirty="0"/>
+                        </a:p>
+                      </a:txBody>
+                      <a:tcPr/>
+                    </a:tc>
+                    <a:tc>
+                      <a:txBody>
+                        <a:bodyPr/>
+                        <a:lstStyle/>
+                        <a:p>
+                          <a:pPr algn="ctr" latinLnBrk="1"/>
+                          <a:r>
+                            <a:rPr lang="en-US" altLang="ko-KR" dirty="0"/>
+                            <a:t>1/10</a:t>
+                          </a:r>
+                          <a:endParaRPr lang="ko-KR" altLang="en-US" dirty="0"/>
+                        </a:p>
+                      </a:txBody>
+                      <a:tcPr/>
+                    </a:tc>
+                    <a:tc>
+                      <a:txBody>
+                        <a:bodyPr/>
+                        <a:lstStyle/>
+                        <a:p>
+                          <a:pPr algn="ctr" latinLnBrk="1"/>
+                          <a:r>
+                            <a:rPr lang="en-US" altLang="ko-KR" dirty="0"/>
+                            <a:t>1/10</a:t>
+                          </a:r>
+                          <a:endParaRPr lang="ko-KR" altLang="en-US" dirty="0"/>
+                        </a:p>
+                      </a:txBody>
+                      <a:tcPr/>
+                    </a:tc>
+                    <a:tc>
+                      <a:txBody>
+                        <a:bodyPr/>
+                        <a:lstStyle/>
+                        <a:p>
+                          <a:pPr algn="ctr" latinLnBrk="1"/>
+                          <a:r>
+                            <a:rPr lang="en-US" altLang="ko-KR" dirty="0"/>
+                            <a:t>1/10</a:t>
+                          </a:r>
+                          <a:endParaRPr lang="ko-KR" altLang="en-US" dirty="0"/>
+                        </a:p>
+                      </a:txBody>
+                      <a:tcPr/>
+                    </a:tc>
+                    <a:tc>
+                      <a:txBody>
+                        <a:bodyPr/>
+                        <a:lstStyle/>
+                        <a:p>
+                          <a:pPr algn="ctr" latinLnBrk="1"/>
+                          <a:r>
+                            <a:rPr lang="en-US" altLang="ko-KR" dirty="0"/>
+                            <a:t>1/10</a:t>
+                          </a:r>
+                          <a:endParaRPr lang="ko-KR" altLang="en-US" dirty="0"/>
+                        </a:p>
+                      </a:txBody>
+                      <a:tcPr/>
+                    </a:tc>
+                    <a:tc>
+                      <a:txBody>
+                        <a:bodyPr/>
+                        <a:lstStyle/>
+                        <a:p>
+                          <a:pPr algn="ctr" latinLnBrk="1"/>
+                          <a:r>
+                            <a:rPr lang="en-US" altLang="ko-KR" dirty="0"/>
+                            <a:t>1/10</a:t>
+                          </a:r>
+                          <a:endParaRPr lang="ko-KR" altLang="en-US" dirty="0"/>
+                        </a:p>
+                      </a:txBody>
+                      <a:tcPr/>
+                    </a:tc>
+                    <a:extLst>
+                      <a:ext uri="{0D108BD9-81ED-4DB2-BD59-A6C34878D82A}">
+                        <a16:rowId xmlns:a16="http://schemas.microsoft.com/office/drawing/2014/main" val="10001"/>
+                      </a:ext>
+                    </a:extLst>
+                  </a:tr>
+                </a:tbl>
+              </a:graphicData>
+            </a:graphic>
+          </p:graphicFrame>
+        </mc:Choice>
+        <mc:Fallback xmlns="">
           <p:graphicFrame>
             <p:nvGraphicFramePr>
               <p:cNvPr id="3" name="표 2"/>
@@ -4164,7 +5592,7 @@
         <p:spPr>
           <a:xfrm>
             <a:off x="611560" y="980728"/>
-            <a:ext cx="1882247" cy="369332"/>
+            <a:ext cx="1495474" cy="369332"/>
           </a:xfrm>
           <a:prstGeom prst="rect">
             <a:avLst/>
@@ -4178,10 +5606,10 @@
           <a:lstStyle/>
           <a:p>
             <a:r>
-              <a:rPr lang="ko-KR" altLang="en-US" smtClean="0"/>
-              <a:t>정상적인 주사위</a:t>
-            </a:r>
-            <a:endParaRPr lang="ko-KR" altLang="en-US"/>
+              <a:rPr lang="en-US" altLang="ko-KR" dirty="0"/>
+              <a:t>Normal Dice</a:t>
+            </a:r>
+            <a:endParaRPr lang="ko-KR" altLang="en-US" dirty="0"/>
           </a:p>
         </p:txBody>
       </p:sp>
@@ -4194,7 +5622,7 @@
         <p:spPr>
           <a:xfrm>
             <a:off x="604894" y="2276872"/>
-            <a:ext cx="2113079" cy="369332"/>
+            <a:ext cx="1742336" cy="369332"/>
           </a:xfrm>
           <a:prstGeom prst="rect">
             <a:avLst/>
@@ -4208,17 +5636,17 @@
           <a:lstStyle/>
           <a:p>
             <a:r>
-              <a:rPr lang="ko-KR" altLang="en-US" smtClean="0"/>
-              <a:t>비정상적인 주사위</a:t>
-            </a:r>
-            <a:endParaRPr lang="ko-KR" altLang="en-US"/>
+              <a:rPr lang="en-US" altLang="ko-KR" dirty="0"/>
+              <a:t>Abnormal Dice</a:t>
+            </a:r>
+            <a:endParaRPr lang="ko-KR" altLang="en-US" dirty="0"/>
           </a:p>
         </p:txBody>
       </p:sp>
     </p:spTree>
     <p:extLst>
       <p:ext uri="{BB962C8B-B14F-4D97-AF65-F5344CB8AC3E}">
-        <p14:creationId xmlns:p14="http://schemas.microsoft.com/office/powerpoint/2010/main" val="3321306020"/>
+        <p14:creationId xmlns:p14="http://schemas.microsoft.com/office/powerpoint/2010/main" val="2748526166"/>
       </p:ext>
     </p:extLst>
   </p:cSld>
